--- a/Documents/Presentation1.pptx
+++ b/Documents/Presentation1.pptx
@@ -7,17 +7,14 @@
   <p:sldIdLst>
     <p:sldId id="256" r:id="rId2"/>
     <p:sldId id="257" r:id="rId3"/>
-    <p:sldId id="263" r:id="rId4"/>
+    <p:sldId id="269" r:id="rId4"/>
     <p:sldId id="264" r:id="rId5"/>
     <p:sldId id="265" r:id="rId6"/>
-    <p:sldId id="266" r:id="rId7"/>
-    <p:sldId id="267" r:id="rId8"/>
-    <p:sldId id="268" r:id="rId9"/>
-    <p:sldId id="258" r:id="rId10"/>
-    <p:sldId id="259" r:id="rId11"/>
-    <p:sldId id="260" r:id="rId12"/>
-    <p:sldId id="261" r:id="rId13"/>
-    <p:sldId id="262" r:id="rId14"/>
+    <p:sldId id="270" r:id="rId7"/>
+    <p:sldId id="263" r:id="rId8"/>
+    <p:sldId id="271" r:id="rId9"/>
+    <p:sldId id="266" r:id="rId10"/>
+    <p:sldId id="267" r:id="rId11"/>
   </p:sldIdLst>
   <p:sldSz cx="12192000" cy="6858000"/>
   <p:notesSz cx="6858000" cy="9144000"/>
@@ -7764,298 +7761,38 @@
             <p:ph type="title"/>
           </p:nvPr>
         </p:nvSpPr>
-        <p:spPr>
-          <a:xfrm>
-            <a:off x="3669435" y="211671"/>
-            <a:ext cx="6549832" cy="953003"/>
-          </a:xfrm>
-        </p:spPr>
-        <p:txBody>
-          <a:bodyPr>
-            <a:normAutofit/>
-          </a:bodyPr>
+        <p:spPr/>
+        <p:txBody>
+          <a:bodyPr/>
           <a:lstStyle/>
           <a:p>
-            <a:r>
-              <a:rPr lang="en-US" dirty="0"/>
-              <a:t>Admin - Dashboard</a:t>
-            </a:r>
-          </a:p>
-        </p:txBody>
-      </p:sp>
-      <p:pic>
-        <p:nvPicPr>
-          <p:cNvPr id="4" name="Content Placeholder 3"/>
-          <p:cNvPicPr>
-            <a:picLocks noGrp="1" noChangeAspect="1"/>
-          </p:cNvPicPr>
+            <a:endParaRPr lang="en-CA"/>
+          </a:p>
+        </p:txBody>
+      </p:sp>
+      <p:sp>
+        <p:nvSpPr>
+          <p:cNvPr id="3" name="Content Placeholder 2"/>
+          <p:cNvSpPr>
+            <a:spLocks noGrp="1"/>
+          </p:cNvSpPr>
           <p:nvPr>
             <p:ph idx="1"/>
           </p:nvPr>
-        </p:nvPicPr>
-        <p:blipFill>
-          <a:blip r:embed="rId2"/>
-          <a:stretch>
-            <a:fillRect/>
-          </a:stretch>
-        </p:blipFill>
-        <p:spPr>
-          <a:xfrm>
-            <a:off x="3669435" y="1037509"/>
-            <a:ext cx="7221117" cy="5734665"/>
-          </a:xfrm>
-        </p:spPr>
-      </p:pic>
+        </p:nvSpPr>
+        <p:spPr/>
+        <p:txBody>
+          <a:bodyPr/>
+          <a:lstStyle/>
+          <a:p>
+            <a:endParaRPr lang="en-CA"/>
+          </a:p>
+        </p:txBody>
+      </p:sp>
     </p:spTree>
     <p:extLst>
       <p:ext uri="{BB962C8B-B14F-4D97-AF65-F5344CB8AC3E}">
-        <p14:creationId xmlns:p14="http://schemas.microsoft.com/office/powerpoint/2010/main" val="301979160"/>
-      </p:ext>
-    </p:extLst>
-  </p:cSld>
-  <p:clrMapOvr>
-    <a:masterClrMapping/>
-  </p:clrMapOvr>
-</p:sld>
-</file>
-
-<file path=ppt/slides/slide11.xml><?xml version="1.0" encoding="utf-8"?>
-<p:sld xmlns:a="http://schemas.openxmlformats.org/drawingml/2006/main" xmlns:r="http://schemas.openxmlformats.org/officeDocument/2006/relationships" xmlns:p="http://schemas.openxmlformats.org/presentationml/2006/main">
-  <p:cSld>
-    <p:spTree>
-      <p:nvGrpSpPr>
-        <p:cNvPr id="1" name=""/>
-        <p:cNvGrpSpPr/>
-        <p:nvPr/>
-      </p:nvGrpSpPr>
-      <p:grpSpPr>
-        <a:xfrm>
-          <a:off x="0" y="0"/>
-          <a:ext cx="0" cy="0"/>
-          <a:chOff x="0" y="0"/>
-          <a:chExt cx="0" cy="0"/>
-        </a:xfrm>
-      </p:grpSpPr>
-      <p:sp>
-        <p:nvSpPr>
-          <p:cNvPr id="2" name="Title 1"/>
-          <p:cNvSpPr>
-            <a:spLocks noGrp="1"/>
-          </p:cNvSpPr>
-          <p:nvPr>
-            <p:ph type="title"/>
-          </p:nvPr>
-        </p:nvSpPr>
-        <p:spPr>
-          <a:xfrm>
-            <a:off x="3669435" y="211671"/>
-            <a:ext cx="6549832" cy="953003"/>
-          </a:xfrm>
-        </p:spPr>
-        <p:txBody>
-          <a:bodyPr>
-            <a:normAutofit/>
-          </a:bodyPr>
-          <a:lstStyle/>
-          <a:p>
-            <a:r>
-              <a:rPr lang="en-US" dirty="0"/>
-              <a:t>Admin - Help</a:t>
-            </a:r>
-          </a:p>
-        </p:txBody>
-      </p:sp>
-      <p:pic>
-        <p:nvPicPr>
-          <p:cNvPr id="5" name="Content Placeholder 4"/>
-          <p:cNvPicPr>
-            <a:picLocks noGrp="1" noChangeAspect="1"/>
-          </p:cNvPicPr>
-          <p:nvPr>
-            <p:ph idx="1"/>
-          </p:nvPr>
-        </p:nvPicPr>
-        <p:blipFill>
-          <a:blip r:embed="rId2"/>
-          <a:stretch>
-            <a:fillRect/>
-          </a:stretch>
-        </p:blipFill>
-        <p:spPr>
-          <a:xfrm>
-            <a:off x="3669434" y="1093815"/>
-            <a:ext cx="7164296" cy="5689540"/>
-          </a:xfrm>
-        </p:spPr>
-      </p:pic>
-    </p:spTree>
-    <p:extLst>
-      <p:ext uri="{BB962C8B-B14F-4D97-AF65-F5344CB8AC3E}">
-        <p14:creationId xmlns:p14="http://schemas.microsoft.com/office/powerpoint/2010/main" val="3907889059"/>
-      </p:ext>
-    </p:extLst>
-  </p:cSld>
-  <p:clrMapOvr>
-    <a:masterClrMapping/>
-  </p:clrMapOvr>
-</p:sld>
-</file>
-
-<file path=ppt/slides/slide12.xml><?xml version="1.0" encoding="utf-8"?>
-<p:sld xmlns:a="http://schemas.openxmlformats.org/drawingml/2006/main" xmlns:r="http://schemas.openxmlformats.org/officeDocument/2006/relationships" xmlns:p="http://schemas.openxmlformats.org/presentationml/2006/main">
-  <p:cSld>
-    <p:spTree>
-      <p:nvGrpSpPr>
-        <p:cNvPr id="1" name=""/>
-        <p:cNvGrpSpPr/>
-        <p:nvPr/>
-      </p:nvGrpSpPr>
-      <p:grpSpPr>
-        <a:xfrm>
-          <a:off x="0" y="0"/>
-          <a:ext cx="0" cy="0"/>
-          <a:chOff x="0" y="0"/>
-          <a:chExt cx="0" cy="0"/>
-        </a:xfrm>
-      </p:grpSpPr>
-      <p:sp>
-        <p:nvSpPr>
-          <p:cNvPr id="2" name="Title 1"/>
-          <p:cNvSpPr>
-            <a:spLocks noGrp="1"/>
-          </p:cNvSpPr>
-          <p:nvPr>
-            <p:ph type="title"/>
-          </p:nvPr>
-        </p:nvSpPr>
-        <p:spPr>
-          <a:xfrm>
-            <a:off x="3669435" y="211671"/>
-            <a:ext cx="6549832" cy="953003"/>
-          </a:xfrm>
-        </p:spPr>
-        <p:txBody>
-          <a:bodyPr>
-            <a:normAutofit/>
-          </a:bodyPr>
-          <a:lstStyle/>
-          <a:p>
-            <a:r>
-              <a:rPr lang="en-US" dirty="0"/>
-              <a:t>Dashboard - Category</a:t>
-            </a:r>
-          </a:p>
-        </p:txBody>
-      </p:sp>
-      <p:pic>
-        <p:nvPicPr>
-          <p:cNvPr id="5" name="Content Placeholder 4"/>
-          <p:cNvPicPr>
-            <a:picLocks noGrp="1" noChangeAspect="1"/>
-          </p:cNvPicPr>
-          <p:nvPr>
-            <p:ph idx="1"/>
-          </p:nvPr>
-        </p:nvPicPr>
-        <p:blipFill>
-          <a:blip r:embed="rId2"/>
-          <a:stretch>
-            <a:fillRect/>
-          </a:stretch>
-        </p:blipFill>
-        <p:spPr>
-          <a:xfrm>
-            <a:off x="2178104" y="1380931"/>
-            <a:ext cx="9754621" cy="5053736"/>
-          </a:xfrm>
-        </p:spPr>
-      </p:pic>
-    </p:spTree>
-    <p:extLst>
-      <p:ext uri="{BB962C8B-B14F-4D97-AF65-F5344CB8AC3E}">
-        <p14:creationId xmlns:p14="http://schemas.microsoft.com/office/powerpoint/2010/main" val="693535125"/>
-      </p:ext>
-    </p:extLst>
-  </p:cSld>
-  <p:clrMapOvr>
-    <a:masterClrMapping/>
-  </p:clrMapOvr>
-</p:sld>
-</file>
-
-<file path=ppt/slides/slide13.xml><?xml version="1.0" encoding="utf-8"?>
-<p:sld xmlns:a="http://schemas.openxmlformats.org/drawingml/2006/main" xmlns:r="http://schemas.openxmlformats.org/officeDocument/2006/relationships" xmlns:p="http://schemas.openxmlformats.org/presentationml/2006/main">
-  <p:cSld>
-    <p:spTree>
-      <p:nvGrpSpPr>
-        <p:cNvPr id="1" name=""/>
-        <p:cNvGrpSpPr/>
-        <p:nvPr/>
-      </p:nvGrpSpPr>
-      <p:grpSpPr>
-        <a:xfrm>
-          <a:off x="0" y="0"/>
-          <a:ext cx="0" cy="0"/>
-          <a:chOff x="0" y="0"/>
-          <a:chExt cx="0" cy="0"/>
-        </a:xfrm>
-      </p:grpSpPr>
-      <p:sp>
-        <p:nvSpPr>
-          <p:cNvPr id="2" name="Title 1"/>
-          <p:cNvSpPr>
-            <a:spLocks noGrp="1"/>
-          </p:cNvSpPr>
-          <p:nvPr>
-            <p:ph type="title"/>
-          </p:nvPr>
-        </p:nvSpPr>
-        <p:spPr>
-          <a:xfrm>
-            <a:off x="189116" y="1284691"/>
-            <a:ext cx="2787349" cy="2624836"/>
-          </a:xfrm>
-        </p:spPr>
-        <p:txBody>
-          <a:bodyPr>
-            <a:normAutofit/>
-          </a:bodyPr>
-          <a:lstStyle/>
-          <a:p>
-            <a:r>
-              <a:rPr lang="en-US" dirty="0"/>
-              <a:t>Dashboard - Products</a:t>
-            </a:r>
-          </a:p>
-        </p:txBody>
-      </p:sp>
-      <p:pic>
-        <p:nvPicPr>
-          <p:cNvPr id="5" name="Content Placeholder 4"/>
-          <p:cNvPicPr>
-            <a:picLocks noGrp="1" noChangeAspect="1"/>
-          </p:cNvPicPr>
-          <p:nvPr>
-            <p:ph idx="1"/>
-          </p:nvPr>
-        </p:nvPicPr>
-        <p:blipFill>
-          <a:blip r:embed="rId2"/>
-          <a:stretch>
-            <a:fillRect/>
-          </a:stretch>
-        </p:blipFill>
-        <p:spPr>
-          <a:xfrm>
-            <a:off x="3191068" y="1"/>
-            <a:ext cx="8826215" cy="6858000"/>
-          </a:xfrm>
-        </p:spPr>
-      </p:pic>
-    </p:spTree>
-    <p:extLst>
-      <p:ext uri="{BB962C8B-B14F-4D97-AF65-F5344CB8AC3E}">
-        <p14:creationId xmlns:p14="http://schemas.microsoft.com/office/powerpoint/2010/main" val="3695523249"/>
+        <p14:creationId xmlns:p14="http://schemas.microsoft.com/office/powerpoint/2010/main" val="43482083"/>
       </p:ext>
     </p:extLst>
   </p:cSld>
@@ -8094,8 +7831,8 @@
         </p:nvSpPr>
         <p:spPr>
           <a:xfrm>
-            <a:off x="3669435" y="211671"/>
-            <a:ext cx="4492432" cy="953003"/>
+            <a:off x="2425147" y="887532"/>
+            <a:ext cx="7142922" cy="953003"/>
           </a:xfrm>
         </p:spPr>
         <p:txBody>
@@ -8106,14 +7843,14 @@
           <a:p>
             <a:r>
               <a:rPr lang="en-US" dirty="0"/>
-              <a:t>Login page</a:t>
+              <a:t>Login page for all employees</a:t>
             </a:r>
           </a:p>
         </p:txBody>
       </p:sp>
       <p:pic>
         <p:nvPicPr>
-          <p:cNvPr id="6" name="Content Placeholder 5"/>
+          <p:cNvPr id="4" name="Content Placeholder 3"/>
           <p:cNvPicPr>
             <a:picLocks noGrp="1" noChangeAspect="1"/>
           </p:cNvPicPr>
@@ -8129,8 +7866,8 @@
         </p:blipFill>
         <p:spPr>
           <a:xfrm>
-            <a:off x="3643533" y="1903445"/>
-            <a:ext cx="6262291" cy="4149248"/>
+            <a:off x="2665305" y="1590261"/>
+            <a:ext cx="6608657" cy="3922643"/>
           </a:xfrm>
         </p:spPr>
       </p:pic>
@@ -8174,12 +7911,20 @@
             <p:ph type="title"/>
           </p:nvPr>
         </p:nvSpPr>
-        <p:spPr/>
+        <p:spPr>
+          <a:xfrm>
+            <a:off x="2208612" y="292805"/>
+            <a:ext cx="8911687" cy="1280890"/>
+          </a:xfrm>
+        </p:spPr>
         <p:txBody>
           <a:bodyPr/>
           <a:lstStyle/>
           <a:p>
-            <a:endParaRPr lang="en-CA" dirty="0"/>
+            <a:r>
+              <a:rPr lang="en-CA" dirty="0"/>
+              <a:t>Cashier Form</a:t>
+            </a:r>
           </a:p>
         </p:txBody>
       </p:sp>
@@ -8201,15 +7946,15 @@
         </p:blipFill>
         <p:spPr>
           <a:xfrm>
-            <a:off x="1961323" y="1113348"/>
-            <a:ext cx="8931964" cy="5109819"/>
+            <a:off x="1344549" y="1150848"/>
+            <a:ext cx="9530930" cy="5263203"/>
           </a:xfrm>
         </p:spPr>
       </p:pic>
     </p:spTree>
     <p:extLst>
       <p:ext uri="{BB962C8B-B14F-4D97-AF65-F5344CB8AC3E}">
-        <p14:creationId xmlns:p14="http://schemas.microsoft.com/office/powerpoint/2010/main" val="777789787"/>
+        <p14:creationId xmlns:p14="http://schemas.microsoft.com/office/powerpoint/2010/main" val="3022981225"/>
       </p:ext>
     </p:extLst>
   </p:cSld>
@@ -8251,7 +7996,10 @@
           <a:bodyPr/>
           <a:lstStyle/>
           <a:p>
-            <a:endParaRPr lang="en-CA"/>
+            <a:r>
+              <a:rPr lang="en-CA" dirty="0"/>
+              <a:t>Find product with barcode</a:t>
+            </a:r>
           </a:p>
         </p:txBody>
       </p:sp>
@@ -8323,7 +8071,10 @@
           <a:bodyPr/>
           <a:lstStyle/>
           <a:p>
-            <a:endParaRPr lang="en-CA"/>
+            <a:r>
+              <a:rPr lang="en-CA" dirty="0"/>
+              <a:t>Find product with product name</a:t>
+            </a:r>
           </a:p>
         </p:txBody>
       </p:sp>
@@ -8395,37 +8146,66 @@
           <a:bodyPr/>
           <a:lstStyle/>
           <a:p>
-            <a:endParaRPr lang="en-CA"/>
-          </a:p>
-        </p:txBody>
-      </p:sp>
-      <p:pic>
-        <p:nvPicPr>
-          <p:cNvPr id="4" name="Content Placeholder 3"/>
-          <p:cNvPicPr>
-            <a:picLocks noGrp="1" noChangeAspect="1"/>
-          </p:cNvPicPr>
+            <a:r>
+              <a:rPr lang="en-CA" dirty="0"/>
+              <a:t>Main issues in Cashier Side </a:t>
+            </a:r>
+          </a:p>
+        </p:txBody>
+      </p:sp>
+      <p:sp>
+        <p:nvSpPr>
+          <p:cNvPr id="3" name="Content Placeholder 2"/>
+          <p:cNvSpPr>
+            <a:spLocks noGrp="1"/>
+          </p:cNvSpPr>
           <p:nvPr>
             <p:ph idx="1"/>
           </p:nvPr>
-        </p:nvPicPr>
-        <p:blipFill>
-          <a:blip r:embed="rId2"/>
-          <a:stretch>
-            <a:fillRect/>
-          </a:stretch>
-        </p:blipFill>
+        </p:nvSpPr>
         <p:spPr>
           <a:xfrm>
-            <a:off x="506495" y="2239617"/>
-            <a:ext cx="10998118" cy="3048000"/>
+            <a:off x="1749287" y="1683026"/>
+            <a:ext cx="9755325" cy="4228196"/>
           </a:xfrm>
         </p:spPr>
-      </p:pic>
+        <p:txBody>
+          <a:bodyPr>
+            <a:normAutofit/>
+          </a:bodyPr>
+          <a:lstStyle/>
+          <a:p>
+            <a:r>
+              <a:rPr lang="en-CA" sz="2800" dirty="0"/>
+              <a:t>Calculated values(columns) in </a:t>
+            </a:r>
+            <a:r>
+              <a:rPr lang="en-CA" sz="2800" dirty="0" err="1"/>
+              <a:t>Datagrids</a:t>
+            </a:r>
+            <a:r>
+              <a:rPr lang="en-CA" sz="2800" dirty="0"/>
+              <a:t> that don’t  exist in DB(in tables)</a:t>
+            </a:r>
+          </a:p>
+          <a:p>
+            <a:r>
+              <a:rPr lang="en-CA" sz="2800" dirty="0"/>
+              <a:t>Db Transaction for submitting customer Order and receipt</a:t>
+            </a:r>
+          </a:p>
+          <a:p>
+            <a:r>
+              <a:rPr lang="en-CA" sz="2800" dirty="0"/>
+              <a:t>Pdf-printing for receipt and reports</a:t>
+            </a:r>
+          </a:p>
+        </p:txBody>
+      </p:sp>
     </p:spTree>
     <p:extLst>
       <p:ext uri="{BB962C8B-B14F-4D97-AF65-F5344CB8AC3E}">
-        <p14:creationId xmlns:p14="http://schemas.microsoft.com/office/powerpoint/2010/main" val="2780198839"/>
+        <p14:creationId xmlns:p14="http://schemas.microsoft.com/office/powerpoint/2010/main" val="1849559543"/>
       </p:ext>
     </p:extLst>
   </p:cSld>
@@ -8462,18 +8242,26 @@
             <p:ph type="title"/>
           </p:nvPr>
         </p:nvSpPr>
-        <p:spPr/>
+        <p:spPr>
+          <a:xfrm>
+            <a:off x="3280313" y="253049"/>
+            <a:ext cx="8911687" cy="1280890"/>
+          </a:xfrm>
+        </p:spPr>
         <p:txBody>
           <a:bodyPr/>
           <a:lstStyle/>
           <a:p>
-            <a:endParaRPr lang="en-CA"/>
+            <a:r>
+              <a:rPr lang="en-CA" dirty="0"/>
+              <a:t>Daily price (Update price)</a:t>
+            </a:r>
           </a:p>
         </p:txBody>
       </p:sp>
       <p:pic>
         <p:nvPicPr>
-          <p:cNvPr id="6" name="Content Placeholder 5"/>
+          <p:cNvPr id="4" name="Content Placeholder 3"/>
           <p:cNvPicPr>
             <a:picLocks noGrp="1" noChangeAspect="1"/>
           </p:cNvPicPr>
@@ -8489,15 +8277,15 @@
         </p:blipFill>
         <p:spPr>
           <a:xfrm>
-            <a:off x="1372877" y="2551665"/>
-            <a:ext cx="10131735" cy="1967326"/>
+            <a:off x="1961323" y="1113348"/>
+            <a:ext cx="8931964" cy="5109819"/>
           </a:xfrm>
         </p:spPr>
       </p:pic>
     </p:spTree>
     <p:extLst>
       <p:ext uri="{BB962C8B-B14F-4D97-AF65-F5344CB8AC3E}">
-        <p14:creationId xmlns:p14="http://schemas.microsoft.com/office/powerpoint/2010/main" val="43482083"/>
+        <p14:creationId xmlns:p14="http://schemas.microsoft.com/office/powerpoint/2010/main" val="777789787"/>
       </p:ext>
     </p:extLst>
   </p:cSld>
@@ -8539,7 +8327,10 @@
           <a:bodyPr/>
           <a:lstStyle/>
           <a:p>
-            <a:endParaRPr lang="en-CA"/>
+            <a:r>
+              <a:rPr lang="en-CA" dirty="0"/>
+              <a:t>Price based on quantity of items</a:t>
+            </a:r>
           </a:p>
         </p:txBody>
       </p:sp>
@@ -8561,15 +8352,15 @@
         </p:blipFill>
         <p:spPr>
           <a:xfrm>
-            <a:off x="3029154" y="990599"/>
-            <a:ext cx="6382422" cy="4880113"/>
+            <a:off x="2051868" y="2442335"/>
+            <a:ext cx="9214205" cy="1789165"/>
           </a:xfrm>
         </p:spPr>
       </p:pic>
     </p:spTree>
     <p:extLst>
       <p:ext uri="{BB962C8B-B14F-4D97-AF65-F5344CB8AC3E}">
-        <p14:creationId xmlns:p14="http://schemas.microsoft.com/office/powerpoint/2010/main" val="3237231263"/>
+        <p14:creationId xmlns:p14="http://schemas.microsoft.com/office/powerpoint/2010/main" val="2872046166"/>
       </p:ext>
     </p:extLst>
   </p:cSld>
@@ -8608,20 +8399,28 @@
         </p:nvSpPr>
         <p:spPr>
           <a:xfrm>
-            <a:off x="3669435" y="211671"/>
-            <a:ext cx="4492432" cy="953003"/>
+            <a:off x="2014332" y="584353"/>
+            <a:ext cx="10298664" cy="767368"/>
           </a:xfrm>
         </p:spPr>
         <p:txBody>
           <a:bodyPr>
-            <a:normAutofit/>
+            <a:normAutofit fontScale="90000"/>
           </a:bodyPr>
           <a:lstStyle/>
           <a:p>
             <a:r>
-              <a:rPr lang="en-US" dirty="0"/>
-              <a:t>Admin - File</a:t>
-            </a:r>
+              <a:rPr lang="en-CA" dirty="0"/>
+              <a:t>Transfer data between </a:t>
+            </a:r>
+            <a:r>
+              <a:rPr lang="en-CA" dirty="0" err="1"/>
+              <a:t>datagrids</a:t>
+            </a:r>
+            <a:br>
+              <a:rPr lang="en-CA" dirty="0"/>
+            </a:br>
+            <a:endParaRPr lang="en-CA" dirty="0"/>
           </a:p>
         </p:txBody>
       </p:sp>
@@ -8643,15 +8442,127 @@
         </p:blipFill>
         <p:spPr>
           <a:xfrm>
-            <a:off x="3669435" y="1011400"/>
-            <a:ext cx="7215401" cy="5730126"/>
+            <a:off x="652269" y="1524000"/>
+            <a:ext cx="10998118" cy="3352800"/>
           </a:xfrm>
         </p:spPr>
       </p:pic>
+      <p:sp>
+        <p:nvSpPr>
+          <p:cNvPr id="5" name="Title 1"/>
+          <p:cNvSpPr txBox="1">
+            <a:spLocks/>
+          </p:cNvSpPr>
+          <p:nvPr/>
+        </p:nvSpPr>
+        <p:spPr>
+          <a:xfrm>
+            <a:off x="1146314" y="5295501"/>
+            <a:ext cx="10298664" cy="767368"/>
+          </a:xfrm>
+          <a:prstGeom prst="rect">
+            <a:avLst/>
+          </a:prstGeom>
+        </p:spPr>
+        <p:txBody>
+          <a:bodyPr vert="horz" lIns="91440" tIns="45720" rIns="91440" bIns="45720" rtlCol="0" anchor="t">
+            <a:normAutofit fontScale="75000" lnSpcReduction="20000"/>
+          </a:bodyPr>
+          <a:lstStyle>
+            <a:lvl1pPr algn="l" defTabSz="457200" rtl="0" eaLnBrk="1" latinLnBrk="0" hangingPunct="1">
+              <a:spcBef>
+                <a:spcPct val="0"/>
+              </a:spcBef>
+              <a:buNone/>
+              <a:defRPr sz="3600" kern="1200">
+                <a:solidFill>
+                  <a:schemeClr val="tx1">
+                    <a:lumMod val="85000"/>
+                    <a:lumOff val="15000"/>
+                  </a:schemeClr>
+                </a:solidFill>
+                <a:latin typeface="+mj-lt"/>
+                <a:ea typeface="+mj-ea"/>
+                <a:cs typeface="+mj-cs"/>
+              </a:defRPr>
+            </a:lvl1pPr>
+            <a:lvl2pPr eaLnBrk="1" hangingPunct="1">
+              <a:defRPr>
+                <a:solidFill>
+                  <a:schemeClr val="tx2"/>
+                </a:solidFill>
+              </a:defRPr>
+            </a:lvl2pPr>
+            <a:lvl3pPr eaLnBrk="1" hangingPunct="1">
+              <a:defRPr>
+                <a:solidFill>
+                  <a:schemeClr val="tx2"/>
+                </a:solidFill>
+              </a:defRPr>
+            </a:lvl3pPr>
+            <a:lvl4pPr eaLnBrk="1" hangingPunct="1">
+              <a:defRPr>
+                <a:solidFill>
+                  <a:schemeClr val="tx2"/>
+                </a:solidFill>
+              </a:defRPr>
+            </a:lvl4pPr>
+            <a:lvl5pPr eaLnBrk="1" hangingPunct="1">
+              <a:defRPr>
+                <a:solidFill>
+                  <a:schemeClr val="tx2"/>
+                </a:solidFill>
+              </a:defRPr>
+            </a:lvl5pPr>
+            <a:lvl6pPr eaLnBrk="1" hangingPunct="1">
+              <a:defRPr>
+                <a:solidFill>
+                  <a:schemeClr val="tx2"/>
+                </a:solidFill>
+              </a:defRPr>
+            </a:lvl6pPr>
+            <a:lvl7pPr eaLnBrk="1" hangingPunct="1">
+              <a:defRPr>
+                <a:solidFill>
+                  <a:schemeClr val="tx2"/>
+                </a:solidFill>
+              </a:defRPr>
+            </a:lvl7pPr>
+            <a:lvl8pPr eaLnBrk="1" hangingPunct="1">
+              <a:defRPr>
+                <a:solidFill>
+                  <a:schemeClr val="tx2"/>
+                </a:solidFill>
+              </a:defRPr>
+            </a:lvl8pPr>
+            <a:lvl9pPr eaLnBrk="1" hangingPunct="1">
+              <a:defRPr>
+                <a:solidFill>
+                  <a:schemeClr val="tx2"/>
+                </a:solidFill>
+              </a:defRPr>
+            </a:lvl9pPr>
+          </a:lstStyle>
+          <a:p>
+            <a:r>
+              <a:rPr lang="en-CA" dirty="0"/>
+              <a:t>Data just add/delete between  </a:t>
+            </a:r>
+            <a:r>
+              <a:rPr lang="en-CA" dirty="0" err="1"/>
+              <a:t>Ordergrid</a:t>
+            </a:r>
+            <a:r>
+              <a:rPr lang="en-CA" dirty="0"/>
+              <a:t> and Product grid but no change is not happened in tables for real data</a:t>
+            </a:r>
+          </a:p>
+        </p:txBody>
+      </p:sp>
     </p:spTree>
     <p:extLst>
       <p:ext uri="{BB962C8B-B14F-4D97-AF65-F5344CB8AC3E}">
-        <p14:creationId xmlns:p14="http://schemas.microsoft.com/office/powerpoint/2010/main" val="3798796465"/>
+        <p14:creationId xmlns:p14="http://schemas.microsoft.com/office/powerpoint/2010/main" val="2780198839"/>
       </p:ext>
     </p:extLst>
   </p:cSld>

--- a/Documents/Presentation1.pptx
+++ b/Documents/Presentation1.pptx
@@ -14,7 +14,10 @@
     <p:sldId id="263" r:id="rId8"/>
     <p:sldId id="271" r:id="rId9"/>
     <p:sldId id="266" r:id="rId10"/>
-    <p:sldId id="267" r:id="rId11"/>
+    <p:sldId id="272" r:id="rId11"/>
+    <p:sldId id="273" r:id="rId12"/>
+    <p:sldId id="275" r:id="rId13"/>
+    <p:sldId id="274" r:id="rId14"/>
   </p:sldIdLst>
   <p:sldSz cx="12192000" cy="6858000"/>
   <p:notesSz cx="6858000" cy="9144000"/>
@@ -7715,7 +7718,7 @@
             </a:r>
             <a:r>
               <a:rPr lang="en-US" dirty="0" err="1"/>
-              <a:t>Afshar</a:t>
+              <a:t>A.Afshar</a:t>
             </a:r>
             <a:endParaRPr lang="en-US" dirty="0"/>
           </a:p>
@@ -7761,704 +7764,35 @@
             <p:ph type="title"/>
           </p:nvPr>
         </p:nvSpPr>
-        <p:spPr/>
+        <p:spPr>
+          <a:xfrm>
+            <a:off x="1445549" y="147031"/>
+            <a:ext cx="8911687" cy="1280890"/>
+          </a:xfrm>
+        </p:spPr>
         <p:txBody>
           <a:bodyPr/>
           <a:lstStyle/>
           <a:p>
-            <a:endParaRPr lang="en-CA"/>
-          </a:p>
-        </p:txBody>
-      </p:sp>
-      <p:sp>
-        <p:nvSpPr>
-          <p:cNvPr id="3" name="Content Placeholder 2"/>
-          <p:cNvSpPr>
-            <a:spLocks noGrp="1"/>
-          </p:cNvSpPr>
-          <p:nvPr>
-            <p:ph idx="1"/>
-          </p:nvPr>
-        </p:nvSpPr>
-        <p:spPr/>
-        <p:txBody>
-          <a:bodyPr/>
-          <a:lstStyle/>
-          <a:p>
-            <a:endParaRPr lang="en-CA"/>
-          </a:p>
-        </p:txBody>
-      </p:sp>
-    </p:spTree>
-    <p:extLst>
-      <p:ext uri="{BB962C8B-B14F-4D97-AF65-F5344CB8AC3E}">
-        <p14:creationId xmlns:p14="http://schemas.microsoft.com/office/powerpoint/2010/main" val="43482083"/>
-      </p:ext>
-    </p:extLst>
-  </p:cSld>
-  <p:clrMapOvr>
-    <a:masterClrMapping/>
-  </p:clrMapOvr>
-</p:sld>
-</file>
-
-<file path=ppt/slides/slide2.xml><?xml version="1.0" encoding="utf-8"?>
-<p:sld xmlns:a="http://schemas.openxmlformats.org/drawingml/2006/main" xmlns:r="http://schemas.openxmlformats.org/officeDocument/2006/relationships" xmlns:p="http://schemas.openxmlformats.org/presentationml/2006/main">
-  <p:cSld>
-    <p:spTree>
-      <p:nvGrpSpPr>
-        <p:cNvPr id="1" name=""/>
-        <p:cNvGrpSpPr/>
-        <p:nvPr/>
-      </p:nvGrpSpPr>
-      <p:grpSpPr>
-        <a:xfrm>
-          <a:off x="0" y="0"/>
-          <a:ext cx="0" cy="0"/>
-          <a:chOff x="0" y="0"/>
-          <a:chExt cx="0" cy="0"/>
-        </a:xfrm>
-      </p:grpSpPr>
-      <p:sp>
-        <p:nvSpPr>
-          <p:cNvPr id="2" name="Title 1"/>
-          <p:cNvSpPr>
-            <a:spLocks noGrp="1"/>
-          </p:cNvSpPr>
-          <p:nvPr>
-            <p:ph type="title"/>
-          </p:nvPr>
+            <a:r>
+              <a:rPr lang="en-CA" dirty="0"/>
+              <a:t>Payment Form</a:t>
+            </a:r>
+          </a:p>
+        </p:txBody>
+      </p:sp>
+      <p:sp>
+        <p:nvSpPr>
+          <p:cNvPr id="9" name="Title 1"/>
+          <p:cNvSpPr txBox="1">
+            <a:spLocks/>
+          </p:cNvSpPr>
+          <p:nvPr/>
         </p:nvSpPr>
         <p:spPr>
           <a:xfrm>
-            <a:off x="2425147" y="887532"/>
-            <a:ext cx="7142922" cy="953003"/>
-          </a:xfrm>
-        </p:spPr>
-        <p:txBody>
-          <a:bodyPr>
-            <a:normAutofit/>
-          </a:bodyPr>
-          <a:lstStyle/>
-          <a:p>
-            <a:r>
-              <a:rPr lang="en-US" dirty="0"/>
-              <a:t>Login page for all employees</a:t>
-            </a:r>
-          </a:p>
-        </p:txBody>
-      </p:sp>
-      <p:pic>
-        <p:nvPicPr>
-          <p:cNvPr id="4" name="Content Placeholder 3"/>
-          <p:cNvPicPr>
-            <a:picLocks noGrp="1" noChangeAspect="1"/>
-          </p:cNvPicPr>
-          <p:nvPr>
-            <p:ph idx="1"/>
-          </p:nvPr>
-        </p:nvPicPr>
-        <p:blipFill>
-          <a:blip r:embed="rId2"/>
-          <a:stretch>
-            <a:fillRect/>
-          </a:stretch>
-        </p:blipFill>
-        <p:spPr>
-          <a:xfrm>
-            <a:off x="2665305" y="1590261"/>
-            <a:ext cx="6608657" cy="3922643"/>
-          </a:xfrm>
-        </p:spPr>
-      </p:pic>
-    </p:spTree>
-    <p:extLst>
-      <p:ext uri="{BB962C8B-B14F-4D97-AF65-F5344CB8AC3E}">
-        <p14:creationId xmlns:p14="http://schemas.microsoft.com/office/powerpoint/2010/main" val="2848497588"/>
-      </p:ext>
-    </p:extLst>
-  </p:cSld>
-  <p:clrMapOvr>
-    <a:masterClrMapping/>
-  </p:clrMapOvr>
-</p:sld>
-</file>
-
-<file path=ppt/slides/slide3.xml><?xml version="1.0" encoding="utf-8"?>
-<p:sld xmlns:a="http://schemas.openxmlformats.org/drawingml/2006/main" xmlns:r="http://schemas.openxmlformats.org/officeDocument/2006/relationships" xmlns:p="http://schemas.openxmlformats.org/presentationml/2006/main">
-  <p:cSld>
-    <p:spTree>
-      <p:nvGrpSpPr>
-        <p:cNvPr id="1" name=""/>
-        <p:cNvGrpSpPr/>
-        <p:nvPr/>
-      </p:nvGrpSpPr>
-      <p:grpSpPr>
-        <a:xfrm>
-          <a:off x="0" y="0"/>
-          <a:ext cx="0" cy="0"/>
-          <a:chOff x="0" y="0"/>
-          <a:chExt cx="0" cy="0"/>
-        </a:xfrm>
-      </p:grpSpPr>
-      <p:sp>
-        <p:nvSpPr>
-          <p:cNvPr id="2" name="Title 1"/>
-          <p:cNvSpPr>
-            <a:spLocks noGrp="1"/>
-          </p:cNvSpPr>
-          <p:nvPr>
-            <p:ph type="title"/>
-          </p:nvPr>
-        </p:nvSpPr>
-        <p:spPr>
-          <a:xfrm>
-            <a:off x="2208612" y="292805"/>
-            <a:ext cx="8911687" cy="1280890"/>
-          </a:xfrm>
-        </p:spPr>
-        <p:txBody>
-          <a:bodyPr/>
-          <a:lstStyle/>
-          <a:p>
-            <a:r>
-              <a:rPr lang="en-CA" dirty="0"/>
-              <a:t>Cashier Form</a:t>
-            </a:r>
-          </a:p>
-        </p:txBody>
-      </p:sp>
-      <p:pic>
-        <p:nvPicPr>
-          <p:cNvPr id="4" name="Content Placeholder 3"/>
-          <p:cNvPicPr>
-            <a:picLocks noGrp="1" noChangeAspect="1"/>
-          </p:cNvPicPr>
-          <p:nvPr>
-            <p:ph idx="1"/>
-          </p:nvPr>
-        </p:nvPicPr>
-        <p:blipFill>
-          <a:blip r:embed="rId2"/>
-          <a:stretch>
-            <a:fillRect/>
-          </a:stretch>
-        </p:blipFill>
-        <p:spPr>
-          <a:xfrm>
-            <a:off x="1344549" y="1150848"/>
-            <a:ext cx="9530930" cy="5263203"/>
-          </a:xfrm>
-        </p:spPr>
-      </p:pic>
-    </p:spTree>
-    <p:extLst>
-      <p:ext uri="{BB962C8B-B14F-4D97-AF65-F5344CB8AC3E}">
-        <p14:creationId xmlns:p14="http://schemas.microsoft.com/office/powerpoint/2010/main" val="3022981225"/>
-      </p:ext>
-    </p:extLst>
-  </p:cSld>
-  <p:clrMapOvr>
-    <a:masterClrMapping/>
-  </p:clrMapOvr>
-</p:sld>
-</file>
-
-<file path=ppt/slides/slide4.xml><?xml version="1.0" encoding="utf-8"?>
-<p:sld xmlns:a="http://schemas.openxmlformats.org/drawingml/2006/main" xmlns:r="http://schemas.openxmlformats.org/officeDocument/2006/relationships" xmlns:p="http://schemas.openxmlformats.org/presentationml/2006/main">
-  <p:cSld>
-    <p:spTree>
-      <p:nvGrpSpPr>
-        <p:cNvPr id="1" name=""/>
-        <p:cNvGrpSpPr/>
-        <p:nvPr/>
-      </p:nvGrpSpPr>
-      <p:grpSpPr>
-        <a:xfrm>
-          <a:off x="0" y="0"/>
-          <a:ext cx="0" cy="0"/>
-          <a:chOff x="0" y="0"/>
-          <a:chExt cx="0" cy="0"/>
-        </a:xfrm>
-      </p:grpSpPr>
-      <p:sp>
-        <p:nvSpPr>
-          <p:cNvPr id="2" name="Title 1"/>
-          <p:cNvSpPr>
-            <a:spLocks noGrp="1"/>
-          </p:cNvSpPr>
-          <p:nvPr>
-            <p:ph type="title"/>
-          </p:nvPr>
-        </p:nvSpPr>
-        <p:spPr/>
-        <p:txBody>
-          <a:bodyPr/>
-          <a:lstStyle/>
-          <a:p>
-            <a:r>
-              <a:rPr lang="en-CA" dirty="0"/>
-              <a:t>Find product with barcode</a:t>
-            </a:r>
-          </a:p>
-        </p:txBody>
-      </p:sp>
-      <p:pic>
-        <p:nvPicPr>
-          <p:cNvPr id="4" name="Content Placeholder 3"/>
-          <p:cNvPicPr>
-            <a:picLocks noGrp="1" noChangeAspect="1"/>
-          </p:cNvPicPr>
-          <p:nvPr>
-            <p:ph idx="1"/>
-          </p:nvPr>
-        </p:nvPicPr>
-        <p:blipFill>
-          <a:blip r:embed="rId2"/>
-          <a:stretch>
-            <a:fillRect/>
-          </a:stretch>
-        </p:blipFill>
-        <p:spPr>
-          <a:xfrm>
-            <a:off x="1563757" y="1577534"/>
-            <a:ext cx="9300243" cy="4147406"/>
-          </a:xfrm>
-        </p:spPr>
-      </p:pic>
-    </p:spTree>
-    <p:extLst>
-      <p:ext uri="{BB962C8B-B14F-4D97-AF65-F5344CB8AC3E}">
-        <p14:creationId xmlns:p14="http://schemas.microsoft.com/office/powerpoint/2010/main" val="2010466830"/>
-      </p:ext>
-    </p:extLst>
-  </p:cSld>
-  <p:clrMapOvr>
-    <a:masterClrMapping/>
-  </p:clrMapOvr>
-</p:sld>
-</file>
-
-<file path=ppt/slides/slide5.xml><?xml version="1.0" encoding="utf-8"?>
-<p:sld xmlns:a="http://schemas.openxmlformats.org/drawingml/2006/main" xmlns:r="http://schemas.openxmlformats.org/officeDocument/2006/relationships" xmlns:p="http://schemas.openxmlformats.org/presentationml/2006/main">
-  <p:cSld>
-    <p:spTree>
-      <p:nvGrpSpPr>
-        <p:cNvPr id="1" name=""/>
-        <p:cNvGrpSpPr/>
-        <p:nvPr/>
-      </p:nvGrpSpPr>
-      <p:grpSpPr>
-        <a:xfrm>
-          <a:off x="0" y="0"/>
-          <a:ext cx="0" cy="0"/>
-          <a:chOff x="0" y="0"/>
-          <a:chExt cx="0" cy="0"/>
-        </a:xfrm>
-      </p:grpSpPr>
-      <p:sp>
-        <p:nvSpPr>
-          <p:cNvPr id="2" name="Title 1"/>
-          <p:cNvSpPr>
-            <a:spLocks noGrp="1"/>
-          </p:cNvSpPr>
-          <p:nvPr>
-            <p:ph type="title"/>
-          </p:nvPr>
-        </p:nvSpPr>
-        <p:spPr/>
-        <p:txBody>
-          <a:bodyPr/>
-          <a:lstStyle/>
-          <a:p>
-            <a:r>
-              <a:rPr lang="en-CA" dirty="0"/>
-              <a:t>Find product with product name</a:t>
-            </a:r>
-          </a:p>
-        </p:txBody>
-      </p:sp>
-      <p:pic>
-        <p:nvPicPr>
-          <p:cNvPr id="4" name="Content Placeholder 3"/>
-          <p:cNvPicPr>
-            <a:picLocks noGrp="1" noChangeAspect="1"/>
-          </p:cNvPicPr>
-          <p:nvPr>
-            <p:ph idx="1"/>
-          </p:nvPr>
-        </p:nvPicPr>
-        <p:blipFill>
-          <a:blip r:embed="rId2"/>
-          <a:stretch>
-            <a:fillRect/>
-          </a:stretch>
-        </p:blipFill>
-        <p:spPr>
-          <a:xfrm>
-            <a:off x="1213885" y="2279280"/>
-            <a:ext cx="10290728" cy="3445659"/>
-          </a:xfrm>
-        </p:spPr>
-      </p:pic>
-    </p:spTree>
-    <p:extLst>
-      <p:ext uri="{BB962C8B-B14F-4D97-AF65-F5344CB8AC3E}">
-        <p14:creationId xmlns:p14="http://schemas.microsoft.com/office/powerpoint/2010/main" val="3153447588"/>
-      </p:ext>
-    </p:extLst>
-  </p:cSld>
-  <p:clrMapOvr>
-    <a:masterClrMapping/>
-  </p:clrMapOvr>
-</p:sld>
-</file>
-
-<file path=ppt/slides/slide6.xml><?xml version="1.0" encoding="utf-8"?>
-<p:sld xmlns:a="http://schemas.openxmlformats.org/drawingml/2006/main" xmlns:r="http://schemas.openxmlformats.org/officeDocument/2006/relationships" xmlns:p="http://schemas.openxmlformats.org/presentationml/2006/main">
-  <p:cSld>
-    <p:spTree>
-      <p:nvGrpSpPr>
-        <p:cNvPr id="1" name=""/>
-        <p:cNvGrpSpPr/>
-        <p:nvPr/>
-      </p:nvGrpSpPr>
-      <p:grpSpPr>
-        <a:xfrm>
-          <a:off x="0" y="0"/>
-          <a:ext cx="0" cy="0"/>
-          <a:chOff x="0" y="0"/>
-          <a:chExt cx="0" cy="0"/>
-        </a:xfrm>
-      </p:grpSpPr>
-      <p:sp>
-        <p:nvSpPr>
-          <p:cNvPr id="2" name="Title 1"/>
-          <p:cNvSpPr>
-            <a:spLocks noGrp="1"/>
-          </p:cNvSpPr>
-          <p:nvPr>
-            <p:ph type="title"/>
-          </p:nvPr>
-        </p:nvSpPr>
-        <p:spPr/>
-        <p:txBody>
-          <a:bodyPr/>
-          <a:lstStyle/>
-          <a:p>
-            <a:r>
-              <a:rPr lang="en-CA" dirty="0"/>
-              <a:t>Main issues in Cashier Side </a:t>
-            </a:r>
-          </a:p>
-        </p:txBody>
-      </p:sp>
-      <p:sp>
-        <p:nvSpPr>
-          <p:cNvPr id="3" name="Content Placeholder 2"/>
-          <p:cNvSpPr>
-            <a:spLocks noGrp="1"/>
-          </p:cNvSpPr>
-          <p:nvPr>
-            <p:ph idx="1"/>
-          </p:nvPr>
-        </p:nvSpPr>
-        <p:spPr>
-          <a:xfrm>
-            <a:off x="1749287" y="1683026"/>
-            <a:ext cx="9755325" cy="4228196"/>
-          </a:xfrm>
-        </p:spPr>
-        <p:txBody>
-          <a:bodyPr>
-            <a:normAutofit/>
-          </a:bodyPr>
-          <a:lstStyle/>
-          <a:p>
-            <a:r>
-              <a:rPr lang="en-CA" sz="2800" dirty="0"/>
-              <a:t>Calculated values(columns) in </a:t>
-            </a:r>
-            <a:r>
-              <a:rPr lang="en-CA" sz="2800" dirty="0" err="1"/>
-              <a:t>Datagrids</a:t>
-            </a:r>
-            <a:r>
-              <a:rPr lang="en-CA" sz="2800" dirty="0"/>
-              <a:t> that don’t  exist in DB(in tables)</a:t>
-            </a:r>
-          </a:p>
-          <a:p>
-            <a:r>
-              <a:rPr lang="en-CA" sz="2800" dirty="0"/>
-              <a:t>Db Transaction for submitting customer Order and receipt</a:t>
-            </a:r>
-          </a:p>
-          <a:p>
-            <a:r>
-              <a:rPr lang="en-CA" sz="2800" dirty="0"/>
-              <a:t>Pdf-printing for receipt and reports</a:t>
-            </a:r>
-          </a:p>
-        </p:txBody>
-      </p:sp>
-    </p:spTree>
-    <p:extLst>
-      <p:ext uri="{BB962C8B-B14F-4D97-AF65-F5344CB8AC3E}">
-        <p14:creationId xmlns:p14="http://schemas.microsoft.com/office/powerpoint/2010/main" val="1849559543"/>
-      </p:ext>
-    </p:extLst>
-  </p:cSld>
-  <p:clrMapOvr>
-    <a:masterClrMapping/>
-  </p:clrMapOvr>
-</p:sld>
-</file>
-
-<file path=ppt/slides/slide7.xml><?xml version="1.0" encoding="utf-8"?>
-<p:sld xmlns:a="http://schemas.openxmlformats.org/drawingml/2006/main" xmlns:r="http://schemas.openxmlformats.org/officeDocument/2006/relationships" xmlns:p="http://schemas.openxmlformats.org/presentationml/2006/main">
-  <p:cSld>
-    <p:spTree>
-      <p:nvGrpSpPr>
-        <p:cNvPr id="1" name=""/>
-        <p:cNvGrpSpPr/>
-        <p:nvPr/>
-      </p:nvGrpSpPr>
-      <p:grpSpPr>
-        <a:xfrm>
-          <a:off x="0" y="0"/>
-          <a:ext cx="0" cy="0"/>
-          <a:chOff x="0" y="0"/>
-          <a:chExt cx="0" cy="0"/>
-        </a:xfrm>
-      </p:grpSpPr>
-      <p:sp>
-        <p:nvSpPr>
-          <p:cNvPr id="2" name="Title 1"/>
-          <p:cNvSpPr>
-            <a:spLocks noGrp="1"/>
-          </p:cNvSpPr>
-          <p:nvPr>
-            <p:ph type="title"/>
-          </p:nvPr>
-        </p:nvSpPr>
-        <p:spPr>
-          <a:xfrm>
-            <a:off x="3280313" y="253049"/>
-            <a:ext cx="8911687" cy="1280890"/>
-          </a:xfrm>
-        </p:spPr>
-        <p:txBody>
-          <a:bodyPr/>
-          <a:lstStyle/>
-          <a:p>
-            <a:r>
-              <a:rPr lang="en-CA" dirty="0"/>
-              <a:t>Daily price (Update price)</a:t>
-            </a:r>
-          </a:p>
-        </p:txBody>
-      </p:sp>
-      <p:pic>
-        <p:nvPicPr>
-          <p:cNvPr id="4" name="Content Placeholder 3"/>
-          <p:cNvPicPr>
-            <a:picLocks noGrp="1" noChangeAspect="1"/>
-          </p:cNvPicPr>
-          <p:nvPr>
-            <p:ph idx="1"/>
-          </p:nvPr>
-        </p:nvPicPr>
-        <p:blipFill>
-          <a:blip r:embed="rId2"/>
-          <a:stretch>
-            <a:fillRect/>
-          </a:stretch>
-        </p:blipFill>
-        <p:spPr>
-          <a:xfrm>
-            <a:off x="1961323" y="1113348"/>
-            <a:ext cx="8931964" cy="5109819"/>
-          </a:xfrm>
-        </p:spPr>
-      </p:pic>
-    </p:spTree>
-    <p:extLst>
-      <p:ext uri="{BB962C8B-B14F-4D97-AF65-F5344CB8AC3E}">
-        <p14:creationId xmlns:p14="http://schemas.microsoft.com/office/powerpoint/2010/main" val="777789787"/>
-      </p:ext>
-    </p:extLst>
-  </p:cSld>
-  <p:clrMapOvr>
-    <a:masterClrMapping/>
-  </p:clrMapOvr>
-</p:sld>
-</file>
-
-<file path=ppt/slides/slide8.xml><?xml version="1.0" encoding="utf-8"?>
-<p:sld xmlns:a="http://schemas.openxmlformats.org/drawingml/2006/main" xmlns:r="http://schemas.openxmlformats.org/officeDocument/2006/relationships" xmlns:p="http://schemas.openxmlformats.org/presentationml/2006/main">
-  <p:cSld>
-    <p:spTree>
-      <p:nvGrpSpPr>
-        <p:cNvPr id="1" name=""/>
-        <p:cNvGrpSpPr/>
-        <p:nvPr/>
-      </p:nvGrpSpPr>
-      <p:grpSpPr>
-        <a:xfrm>
-          <a:off x="0" y="0"/>
-          <a:ext cx="0" cy="0"/>
-          <a:chOff x="0" y="0"/>
-          <a:chExt cx="0" cy="0"/>
-        </a:xfrm>
-      </p:grpSpPr>
-      <p:sp>
-        <p:nvSpPr>
-          <p:cNvPr id="2" name="Title 1"/>
-          <p:cNvSpPr>
-            <a:spLocks noGrp="1"/>
-          </p:cNvSpPr>
-          <p:nvPr>
-            <p:ph type="title"/>
-          </p:nvPr>
-        </p:nvSpPr>
-        <p:spPr/>
-        <p:txBody>
-          <a:bodyPr/>
-          <a:lstStyle/>
-          <a:p>
-            <a:r>
-              <a:rPr lang="en-CA" dirty="0"/>
-              <a:t>Price based on quantity of items</a:t>
-            </a:r>
-          </a:p>
-        </p:txBody>
-      </p:sp>
-      <p:pic>
-        <p:nvPicPr>
-          <p:cNvPr id="4" name="Content Placeholder 3"/>
-          <p:cNvPicPr>
-            <a:picLocks noGrp="1" noChangeAspect="1"/>
-          </p:cNvPicPr>
-          <p:nvPr>
-            <p:ph idx="1"/>
-          </p:nvPr>
-        </p:nvPicPr>
-        <p:blipFill>
-          <a:blip r:embed="rId2"/>
-          <a:stretch>
-            <a:fillRect/>
-          </a:stretch>
-        </p:blipFill>
-        <p:spPr>
-          <a:xfrm>
-            <a:off x="2051868" y="2442335"/>
-            <a:ext cx="9214205" cy="1789165"/>
-          </a:xfrm>
-        </p:spPr>
-      </p:pic>
-    </p:spTree>
-    <p:extLst>
-      <p:ext uri="{BB962C8B-B14F-4D97-AF65-F5344CB8AC3E}">
-        <p14:creationId xmlns:p14="http://schemas.microsoft.com/office/powerpoint/2010/main" val="2872046166"/>
-      </p:ext>
-    </p:extLst>
-  </p:cSld>
-  <p:clrMapOvr>
-    <a:masterClrMapping/>
-  </p:clrMapOvr>
-</p:sld>
-</file>
-
-<file path=ppt/slides/slide9.xml><?xml version="1.0" encoding="utf-8"?>
-<p:sld xmlns:a="http://schemas.openxmlformats.org/drawingml/2006/main" xmlns:r="http://schemas.openxmlformats.org/officeDocument/2006/relationships" xmlns:p="http://schemas.openxmlformats.org/presentationml/2006/main">
-  <p:cSld>
-    <p:spTree>
-      <p:nvGrpSpPr>
-        <p:cNvPr id="1" name=""/>
-        <p:cNvGrpSpPr/>
-        <p:nvPr/>
-      </p:nvGrpSpPr>
-      <p:grpSpPr>
-        <a:xfrm>
-          <a:off x="0" y="0"/>
-          <a:ext cx="0" cy="0"/>
-          <a:chOff x="0" y="0"/>
-          <a:chExt cx="0" cy="0"/>
-        </a:xfrm>
-      </p:grpSpPr>
-      <p:sp>
-        <p:nvSpPr>
-          <p:cNvPr id="2" name="Title 1"/>
-          <p:cNvSpPr>
-            <a:spLocks noGrp="1"/>
-          </p:cNvSpPr>
-          <p:nvPr>
-            <p:ph type="title"/>
-          </p:nvPr>
-        </p:nvSpPr>
-        <p:spPr>
-          <a:xfrm>
-            <a:off x="2014332" y="584353"/>
-            <a:ext cx="10298664" cy="767368"/>
-          </a:xfrm>
-        </p:spPr>
-        <p:txBody>
-          <a:bodyPr>
-            <a:normAutofit fontScale="90000"/>
-          </a:bodyPr>
-          <a:lstStyle/>
-          <a:p>
-            <a:r>
-              <a:rPr lang="en-CA" dirty="0"/>
-              <a:t>Transfer data between </a:t>
-            </a:r>
-            <a:r>
-              <a:rPr lang="en-CA" dirty="0" err="1"/>
-              <a:t>datagrids</a:t>
-            </a:r>
-            <a:br>
-              <a:rPr lang="en-CA" dirty="0"/>
-            </a:br>
-            <a:endParaRPr lang="en-CA" dirty="0"/>
-          </a:p>
-        </p:txBody>
-      </p:sp>
-      <p:pic>
-        <p:nvPicPr>
-          <p:cNvPr id="4" name="Content Placeholder 3"/>
-          <p:cNvPicPr>
-            <a:picLocks noGrp="1" noChangeAspect="1"/>
-          </p:cNvPicPr>
-          <p:nvPr>
-            <p:ph idx="1"/>
-          </p:nvPr>
-        </p:nvPicPr>
-        <p:blipFill>
-          <a:blip r:embed="rId2"/>
-          <a:stretch>
-            <a:fillRect/>
-          </a:stretch>
-        </p:blipFill>
-        <p:spPr>
-          <a:xfrm>
-            <a:off x="652269" y="1524000"/>
-            <a:ext cx="10998118" cy="3352800"/>
-          </a:xfrm>
-        </p:spPr>
-      </p:pic>
-      <p:sp>
-        <p:nvSpPr>
-          <p:cNvPr id="5" name="Title 1"/>
-          <p:cNvSpPr txBox="1">
-            <a:spLocks/>
-          </p:cNvSpPr>
-          <p:nvPr/>
-        </p:nvSpPr>
-        <p:spPr>
-          <a:xfrm>
-            <a:off x="1146314" y="5295501"/>
-            <a:ext cx="10298664" cy="767368"/>
+            <a:off x="1192696" y="4738908"/>
+            <a:ext cx="10844451" cy="1781162"/>
           </a:xfrm>
           <a:prstGeom prst="rect">
             <a:avLst/>
@@ -8466,7 +7800,7 @@
         </p:spPr>
         <p:txBody>
           <a:bodyPr vert="horz" lIns="91440" tIns="45720" rIns="91440" bIns="45720" rtlCol="0" anchor="t">
-            <a:normAutofit fontScale="75000" lnSpcReduction="20000"/>
+            <a:normAutofit/>
           </a:bodyPr>
           <a:lstStyle>
             <a:lvl1pPr algn="l" defTabSz="457200" rtl="0" eaLnBrk="1" latinLnBrk="0" hangingPunct="1">
@@ -8545,16 +7879,1353 @@
           </a:lstStyle>
           <a:p>
             <a:r>
+              <a:rPr lang="en-CA" sz="2800" dirty="0"/>
+              <a:t>Until now the shopping is not happened after press submit button and view pdf bill if is not any error or exception all data registered in database(shopping happened)</a:t>
+            </a:r>
+          </a:p>
+        </p:txBody>
+      </p:sp>
+      <p:pic>
+        <p:nvPicPr>
+          <p:cNvPr id="11" name="Content Placeholder 10"/>
+          <p:cNvPicPr>
+            <a:picLocks noGrp="1" noChangeAspect="1"/>
+          </p:cNvPicPr>
+          <p:nvPr>
+            <p:ph idx="1"/>
+          </p:nvPr>
+        </p:nvPicPr>
+        <p:blipFill>
+          <a:blip r:embed="rId2"/>
+          <a:stretch>
+            <a:fillRect/>
+          </a:stretch>
+        </p:blipFill>
+        <p:spPr>
+          <a:xfrm>
+            <a:off x="2333097" y="787476"/>
+            <a:ext cx="4941358" cy="3778250"/>
+          </a:xfrm>
+        </p:spPr>
+      </p:pic>
+    </p:spTree>
+    <p:extLst>
+      <p:ext uri="{BB962C8B-B14F-4D97-AF65-F5344CB8AC3E}">
+        <p14:creationId xmlns:p14="http://schemas.microsoft.com/office/powerpoint/2010/main" val="967882922"/>
+      </p:ext>
+    </p:extLst>
+  </p:cSld>
+  <p:clrMapOvr>
+    <a:masterClrMapping/>
+  </p:clrMapOvr>
+</p:sld>
+</file>
+
+<file path=ppt/slides/slide11.xml><?xml version="1.0" encoding="utf-8"?>
+<p:sld xmlns:a="http://schemas.openxmlformats.org/drawingml/2006/main" xmlns:r="http://schemas.openxmlformats.org/officeDocument/2006/relationships" xmlns:p="http://schemas.openxmlformats.org/presentationml/2006/main">
+  <p:cSld>
+    <p:spTree>
+      <p:nvGrpSpPr>
+        <p:cNvPr id="1" name=""/>
+        <p:cNvGrpSpPr/>
+        <p:nvPr/>
+      </p:nvGrpSpPr>
+      <p:grpSpPr>
+        <a:xfrm>
+          <a:off x="0" y="0"/>
+          <a:ext cx="0" cy="0"/>
+          <a:chOff x="0" y="0"/>
+          <a:chExt cx="0" cy="0"/>
+        </a:xfrm>
+      </p:grpSpPr>
+      <p:sp>
+        <p:nvSpPr>
+          <p:cNvPr id="3" name="Text Placeholder 2"/>
+          <p:cNvSpPr>
+            <a:spLocks noGrp="1"/>
+          </p:cNvSpPr>
+          <p:nvPr>
+            <p:ph type="body" idx="1"/>
+          </p:nvPr>
+        </p:nvSpPr>
+        <p:spPr>
+          <a:xfrm>
+            <a:off x="1508135" y="765263"/>
+            <a:ext cx="3992732" cy="576262"/>
+          </a:xfrm>
+        </p:spPr>
+        <p:txBody>
+          <a:bodyPr/>
+          <a:lstStyle/>
+          <a:p>
+            <a:r>
+              <a:rPr lang="en-CA" b="1" dirty="0">
+                <a:solidFill>
+                  <a:srgbClr val="002060"/>
+                </a:solidFill>
+              </a:rPr>
+              <a:t>Payment form</a:t>
+            </a:r>
+          </a:p>
+        </p:txBody>
+      </p:sp>
+      <p:pic>
+        <p:nvPicPr>
+          <p:cNvPr id="7" name="Content Placeholder 6"/>
+          <p:cNvPicPr>
+            <a:picLocks noGrp="1" noChangeAspect="1"/>
+          </p:cNvPicPr>
+          <p:nvPr>
+            <p:ph sz="half" idx="2"/>
+          </p:nvPr>
+        </p:nvPicPr>
+        <p:blipFill>
+          <a:blip r:embed="rId2"/>
+          <a:stretch>
+            <a:fillRect/>
+          </a:stretch>
+        </p:blipFill>
+        <p:spPr>
+          <a:xfrm>
+            <a:off x="659443" y="1359874"/>
+            <a:ext cx="5729830" cy="4192787"/>
+          </a:xfrm>
+        </p:spPr>
+      </p:pic>
+      <p:sp>
+        <p:nvSpPr>
+          <p:cNvPr id="5" name="Text Placeholder 4"/>
+          <p:cNvSpPr>
+            <a:spLocks noGrp="1"/>
+          </p:cNvSpPr>
+          <p:nvPr>
+            <p:ph type="body" sz="quarter" idx="3"/>
+          </p:nvPr>
+        </p:nvSpPr>
+        <p:spPr>
+          <a:xfrm>
+            <a:off x="7428555" y="752011"/>
+            <a:ext cx="3999001" cy="576262"/>
+          </a:xfrm>
+        </p:spPr>
+        <p:txBody>
+          <a:bodyPr/>
+          <a:lstStyle/>
+          <a:p>
+            <a:r>
+              <a:rPr lang="en-CA" b="1" dirty="0">
+                <a:solidFill>
+                  <a:srgbClr val="002060"/>
+                </a:solidFill>
+              </a:rPr>
+              <a:t>Receipt (pdf file)</a:t>
+            </a:r>
+          </a:p>
+        </p:txBody>
+      </p:sp>
+      <p:pic>
+        <p:nvPicPr>
+          <p:cNvPr id="8" name="Content Placeholder 7"/>
+          <p:cNvPicPr>
+            <a:picLocks noGrp="1" noChangeAspect="1"/>
+          </p:cNvPicPr>
+          <p:nvPr>
+            <p:ph sz="quarter" idx="4"/>
+          </p:nvPr>
+        </p:nvPicPr>
+        <p:blipFill>
+          <a:blip r:embed="rId3"/>
+          <a:stretch>
+            <a:fillRect/>
+          </a:stretch>
+        </p:blipFill>
+        <p:spPr>
+          <a:xfrm>
+            <a:off x="7258736" y="1359876"/>
+            <a:ext cx="3873089" cy="4192786"/>
+          </a:xfrm>
+        </p:spPr>
+      </p:pic>
+    </p:spTree>
+    <p:extLst>
+      <p:ext uri="{BB962C8B-B14F-4D97-AF65-F5344CB8AC3E}">
+        <p14:creationId xmlns:p14="http://schemas.microsoft.com/office/powerpoint/2010/main" val="2333779136"/>
+      </p:ext>
+    </p:extLst>
+  </p:cSld>
+  <p:clrMapOvr>
+    <a:masterClrMapping/>
+  </p:clrMapOvr>
+</p:sld>
+</file>
+
+<file path=ppt/slides/slide12.xml><?xml version="1.0" encoding="utf-8"?>
+<p:sld xmlns:a="http://schemas.openxmlformats.org/drawingml/2006/main" xmlns:r="http://schemas.openxmlformats.org/officeDocument/2006/relationships" xmlns:p="http://schemas.openxmlformats.org/presentationml/2006/main">
+  <p:cSld>
+    <p:spTree>
+      <p:nvGrpSpPr>
+        <p:cNvPr id="1" name=""/>
+        <p:cNvGrpSpPr/>
+        <p:nvPr/>
+      </p:nvGrpSpPr>
+      <p:grpSpPr>
+        <a:xfrm>
+          <a:off x="0" y="0"/>
+          <a:ext cx="0" cy="0"/>
+          <a:chOff x="0" y="0"/>
+          <a:chExt cx="0" cy="0"/>
+        </a:xfrm>
+      </p:grpSpPr>
+      <p:pic>
+        <p:nvPicPr>
+          <p:cNvPr id="7" name="Content Placeholder 6"/>
+          <p:cNvPicPr>
+            <a:picLocks noGrp="1" noChangeAspect="1"/>
+          </p:cNvPicPr>
+          <p:nvPr>
+            <p:ph sz="half" idx="2"/>
+          </p:nvPr>
+        </p:nvPicPr>
+        <p:blipFill>
+          <a:blip r:embed="rId2"/>
+          <a:stretch>
+            <a:fillRect/>
+          </a:stretch>
+        </p:blipFill>
+        <p:spPr>
+          <a:xfrm>
+            <a:off x="2540660" y="212035"/>
+            <a:ext cx="9437251" cy="6281530"/>
+          </a:xfrm>
+        </p:spPr>
+      </p:pic>
+      <p:sp>
+        <p:nvSpPr>
+          <p:cNvPr id="8" name="TextBox 7"/>
+          <p:cNvSpPr txBox="1"/>
+          <p:nvPr/>
+        </p:nvSpPr>
+        <p:spPr>
+          <a:xfrm>
+            <a:off x="251793" y="1391478"/>
+            <a:ext cx="2394883" cy="1938992"/>
+          </a:xfrm>
+          <a:prstGeom prst="rect">
+            <a:avLst/>
+          </a:prstGeom>
+          <a:noFill/>
+        </p:spPr>
+        <p:txBody>
+          <a:bodyPr wrap="square" rtlCol="0">
+            <a:spAutoFit/>
+          </a:bodyPr>
+          <a:lstStyle/>
+          <a:p>
+            <a:pPr algn="ctr"/>
+            <a:r>
+              <a:rPr lang="en-CA" sz="3000" b="1" dirty="0">
+                <a:solidFill>
+                  <a:srgbClr val="002060"/>
+                </a:solidFill>
+              </a:rPr>
+              <a:t>Transaction steps for submit order</a:t>
+            </a:r>
+          </a:p>
+        </p:txBody>
+      </p:sp>
+    </p:spTree>
+    <p:extLst>
+      <p:ext uri="{BB962C8B-B14F-4D97-AF65-F5344CB8AC3E}">
+        <p14:creationId xmlns:p14="http://schemas.microsoft.com/office/powerpoint/2010/main" val="2545337445"/>
+      </p:ext>
+    </p:extLst>
+  </p:cSld>
+  <p:clrMapOvr>
+    <a:masterClrMapping/>
+  </p:clrMapOvr>
+</p:sld>
+</file>
+
+<file path=ppt/slides/slide13.xml><?xml version="1.0" encoding="utf-8"?>
+<p:sld xmlns:a="http://schemas.openxmlformats.org/drawingml/2006/main" xmlns:r="http://schemas.openxmlformats.org/officeDocument/2006/relationships" xmlns:p="http://schemas.openxmlformats.org/presentationml/2006/main">
+  <p:cSld>
+    <p:spTree>
+      <p:nvGrpSpPr>
+        <p:cNvPr id="1" name=""/>
+        <p:cNvGrpSpPr/>
+        <p:nvPr/>
+      </p:nvGrpSpPr>
+      <p:grpSpPr>
+        <a:xfrm>
+          <a:off x="0" y="0"/>
+          <a:ext cx="0" cy="0"/>
+          <a:chOff x="0" y="0"/>
+          <a:chExt cx="0" cy="0"/>
+        </a:xfrm>
+      </p:grpSpPr>
+      <p:pic>
+        <p:nvPicPr>
+          <p:cNvPr id="10" name="Content Placeholder 9"/>
+          <p:cNvPicPr>
+            <a:picLocks noGrp="1" noChangeAspect="1"/>
+          </p:cNvPicPr>
+          <p:nvPr>
+            <p:ph sz="quarter" idx="4"/>
+          </p:nvPr>
+        </p:nvPicPr>
+        <p:blipFill>
+          <a:blip r:embed="rId2"/>
+          <a:stretch>
+            <a:fillRect/>
+          </a:stretch>
+        </p:blipFill>
+        <p:spPr>
+          <a:xfrm>
+            <a:off x="609089" y="2537280"/>
+            <a:ext cx="10895522" cy="1618146"/>
+          </a:xfrm>
+        </p:spPr>
+      </p:pic>
+      <p:pic>
+        <p:nvPicPr>
+          <p:cNvPr id="12" name="Content Placeholder 11"/>
+          <p:cNvPicPr>
+            <a:picLocks noGrp="1" noChangeAspect="1"/>
+          </p:cNvPicPr>
+          <p:nvPr>
+            <p:ph sz="half" idx="2"/>
+          </p:nvPr>
+        </p:nvPicPr>
+        <p:blipFill>
+          <a:blip r:embed="rId3"/>
+          <a:stretch>
+            <a:fillRect/>
+          </a:stretch>
+        </p:blipFill>
+        <p:spPr>
+          <a:xfrm>
+            <a:off x="997217" y="767035"/>
+            <a:ext cx="10148078" cy="1202440"/>
+          </a:xfrm>
+        </p:spPr>
+      </p:pic>
+      <p:pic>
+        <p:nvPicPr>
+          <p:cNvPr id="13" name="Picture 12"/>
+          <p:cNvPicPr>
+            <a:picLocks noChangeAspect="1"/>
+          </p:cNvPicPr>
+          <p:nvPr/>
+        </p:nvPicPr>
+        <p:blipFill>
+          <a:blip r:embed="rId4"/>
+          <a:stretch>
+            <a:fillRect/>
+          </a:stretch>
+        </p:blipFill>
+        <p:spPr>
+          <a:xfrm>
+            <a:off x="222775" y="4442997"/>
+            <a:ext cx="11484929" cy="1413754"/>
+          </a:xfrm>
+          <a:prstGeom prst="rect">
+            <a:avLst/>
+          </a:prstGeom>
+        </p:spPr>
+      </p:pic>
+    </p:spTree>
+    <p:extLst>
+      <p:ext uri="{BB962C8B-B14F-4D97-AF65-F5344CB8AC3E}">
+        <p14:creationId xmlns:p14="http://schemas.microsoft.com/office/powerpoint/2010/main" val="4229635949"/>
+      </p:ext>
+    </p:extLst>
+  </p:cSld>
+  <p:clrMapOvr>
+    <a:masterClrMapping/>
+  </p:clrMapOvr>
+</p:sld>
+</file>
+
+<file path=ppt/slides/slide2.xml><?xml version="1.0" encoding="utf-8"?>
+<p:sld xmlns:a="http://schemas.openxmlformats.org/drawingml/2006/main" xmlns:r="http://schemas.openxmlformats.org/officeDocument/2006/relationships" xmlns:p="http://schemas.openxmlformats.org/presentationml/2006/main">
+  <p:cSld>
+    <p:spTree>
+      <p:nvGrpSpPr>
+        <p:cNvPr id="1" name=""/>
+        <p:cNvGrpSpPr/>
+        <p:nvPr/>
+      </p:nvGrpSpPr>
+      <p:grpSpPr>
+        <a:xfrm>
+          <a:off x="0" y="0"/>
+          <a:ext cx="0" cy="0"/>
+          <a:chOff x="0" y="0"/>
+          <a:chExt cx="0" cy="0"/>
+        </a:xfrm>
+      </p:grpSpPr>
+      <p:sp>
+        <p:nvSpPr>
+          <p:cNvPr id="2" name="Title 1"/>
+          <p:cNvSpPr>
+            <a:spLocks noGrp="1"/>
+          </p:cNvSpPr>
+          <p:nvPr>
+            <p:ph type="title"/>
+          </p:nvPr>
+        </p:nvSpPr>
+        <p:spPr>
+          <a:xfrm>
+            <a:off x="2425147" y="887532"/>
+            <a:ext cx="7142922" cy="953003"/>
+          </a:xfrm>
+        </p:spPr>
+        <p:txBody>
+          <a:bodyPr>
+            <a:normAutofit/>
+          </a:bodyPr>
+          <a:lstStyle/>
+          <a:p>
+            <a:r>
+              <a:rPr lang="en-US" dirty="0"/>
+              <a:t>Login page for all employees</a:t>
+            </a:r>
+          </a:p>
+        </p:txBody>
+      </p:sp>
+      <p:pic>
+        <p:nvPicPr>
+          <p:cNvPr id="4" name="Content Placeholder 3"/>
+          <p:cNvPicPr>
+            <a:picLocks noGrp="1" noChangeAspect="1"/>
+          </p:cNvPicPr>
+          <p:nvPr>
+            <p:ph idx="1"/>
+          </p:nvPr>
+        </p:nvPicPr>
+        <p:blipFill>
+          <a:blip r:embed="rId2"/>
+          <a:stretch>
+            <a:fillRect/>
+          </a:stretch>
+        </p:blipFill>
+        <p:spPr>
+          <a:xfrm>
+            <a:off x="2665305" y="1590261"/>
+            <a:ext cx="6608657" cy="3922643"/>
+          </a:xfrm>
+        </p:spPr>
+      </p:pic>
+    </p:spTree>
+    <p:extLst>
+      <p:ext uri="{BB962C8B-B14F-4D97-AF65-F5344CB8AC3E}">
+        <p14:creationId xmlns:p14="http://schemas.microsoft.com/office/powerpoint/2010/main" val="2848497588"/>
+      </p:ext>
+    </p:extLst>
+  </p:cSld>
+  <p:clrMapOvr>
+    <a:masterClrMapping/>
+  </p:clrMapOvr>
+</p:sld>
+</file>
+
+<file path=ppt/slides/slide3.xml><?xml version="1.0" encoding="utf-8"?>
+<p:sld xmlns:a="http://schemas.openxmlformats.org/drawingml/2006/main" xmlns:r="http://schemas.openxmlformats.org/officeDocument/2006/relationships" xmlns:p="http://schemas.openxmlformats.org/presentationml/2006/main">
+  <p:cSld>
+    <p:spTree>
+      <p:nvGrpSpPr>
+        <p:cNvPr id="1" name=""/>
+        <p:cNvGrpSpPr/>
+        <p:nvPr/>
+      </p:nvGrpSpPr>
+      <p:grpSpPr>
+        <a:xfrm>
+          <a:off x="0" y="0"/>
+          <a:ext cx="0" cy="0"/>
+          <a:chOff x="0" y="0"/>
+          <a:chExt cx="0" cy="0"/>
+        </a:xfrm>
+      </p:grpSpPr>
+      <p:sp>
+        <p:nvSpPr>
+          <p:cNvPr id="2" name="Title 1"/>
+          <p:cNvSpPr>
+            <a:spLocks noGrp="1"/>
+          </p:cNvSpPr>
+          <p:nvPr>
+            <p:ph type="title"/>
+          </p:nvPr>
+        </p:nvSpPr>
+        <p:spPr>
+          <a:xfrm>
+            <a:off x="2208612" y="292805"/>
+            <a:ext cx="8911687" cy="1280890"/>
+          </a:xfrm>
+        </p:spPr>
+        <p:txBody>
+          <a:bodyPr/>
+          <a:lstStyle/>
+          <a:p>
+            <a:r>
               <a:rPr lang="en-CA" dirty="0"/>
+              <a:t>Cashier Form</a:t>
+            </a:r>
+          </a:p>
+        </p:txBody>
+      </p:sp>
+      <p:pic>
+        <p:nvPicPr>
+          <p:cNvPr id="4" name="Content Placeholder 3"/>
+          <p:cNvPicPr>
+            <a:picLocks noGrp="1" noChangeAspect="1"/>
+          </p:cNvPicPr>
+          <p:nvPr>
+            <p:ph idx="1"/>
+          </p:nvPr>
+        </p:nvPicPr>
+        <p:blipFill>
+          <a:blip r:embed="rId2"/>
+          <a:stretch>
+            <a:fillRect/>
+          </a:stretch>
+        </p:blipFill>
+        <p:spPr>
+          <a:xfrm>
+            <a:off x="1344549" y="1150848"/>
+            <a:ext cx="9530930" cy="5263203"/>
+          </a:xfrm>
+        </p:spPr>
+      </p:pic>
+    </p:spTree>
+    <p:extLst>
+      <p:ext uri="{BB962C8B-B14F-4D97-AF65-F5344CB8AC3E}">
+        <p14:creationId xmlns:p14="http://schemas.microsoft.com/office/powerpoint/2010/main" val="3022981225"/>
+      </p:ext>
+    </p:extLst>
+  </p:cSld>
+  <p:clrMapOvr>
+    <a:masterClrMapping/>
+  </p:clrMapOvr>
+</p:sld>
+</file>
+
+<file path=ppt/slides/slide4.xml><?xml version="1.0" encoding="utf-8"?>
+<p:sld xmlns:a="http://schemas.openxmlformats.org/drawingml/2006/main" xmlns:r="http://schemas.openxmlformats.org/officeDocument/2006/relationships" xmlns:p="http://schemas.openxmlformats.org/presentationml/2006/main">
+  <p:cSld>
+    <p:spTree>
+      <p:nvGrpSpPr>
+        <p:cNvPr id="1" name=""/>
+        <p:cNvGrpSpPr/>
+        <p:nvPr/>
+      </p:nvGrpSpPr>
+      <p:grpSpPr>
+        <a:xfrm>
+          <a:off x="0" y="0"/>
+          <a:ext cx="0" cy="0"/>
+          <a:chOff x="0" y="0"/>
+          <a:chExt cx="0" cy="0"/>
+        </a:xfrm>
+      </p:grpSpPr>
+      <p:sp>
+        <p:nvSpPr>
+          <p:cNvPr id="2" name="Title 1"/>
+          <p:cNvSpPr>
+            <a:spLocks noGrp="1"/>
+          </p:cNvSpPr>
+          <p:nvPr>
+            <p:ph type="title"/>
+          </p:nvPr>
+        </p:nvSpPr>
+        <p:spPr/>
+        <p:txBody>
+          <a:bodyPr/>
+          <a:lstStyle/>
+          <a:p>
+            <a:r>
+              <a:rPr lang="en-CA" dirty="0"/>
+              <a:t>Find product with barcode</a:t>
+            </a:r>
+          </a:p>
+        </p:txBody>
+      </p:sp>
+      <p:pic>
+        <p:nvPicPr>
+          <p:cNvPr id="4" name="Content Placeholder 3"/>
+          <p:cNvPicPr>
+            <a:picLocks noGrp="1" noChangeAspect="1"/>
+          </p:cNvPicPr>
+          <p:nvPr>
+            <p:ph idx="1"/>
+          </p:nvPr>
+        </p:nvPicPr>
+        <p:blipFill>
+          <a:blip r:embed="rId2"/>
+          <a:stretch>
+            <a:fillRect/>
+          </a:stretch>
+        </p:blipFill>
+        <p:spPr>
+          <a:xfrm>
+            <a:off x="1563757" y="1577534"/>
+            <a:ext cx="9300243" cy="4147406"/>
+          </a:xfrm>
+        </p:spPr>
+      </p:pic>
+    </p:spTree>
+    <p:extLst>
+      <p:ext uri="{BB962C8B-B14F-4D97-AF65-F5344CB8AC3E}">
+        <p14:creationId xmlns:p14="http://schemas.microsoft.com/office/powerpoint/2010/main" val="2010466830"/>
+      </p:ext>
+    </p:extLst>
+  </p:cSld>
+  <p:clrMapOvr>
+    <a:masterClrMapping/>
+  </p:clrMapOvr>
+</p:sld>
+</file>
+
+<file path=ppt/slides/slide5.xml><?xml version="1.0" encoding="utf-8"?>
+<p:sld xmlns:a="http://schemas.openxmlformats.org/drawingml/2006/main" xmlns:r="http://schemas.openxmlformats.org/officeDocument/2006/relationships" xmlns:p="http://schemas.openxmlformats.org/presentationml/2006/main">
+  <p:cSld>
+    <p:spTree>
+      <p:nvGrpSpPr>
+        <p:cNvPr id="1" name=""/>
+        <p:cNvGrpSpPr/>
+        <p:nvPr/>
+      </p:nvGrpSpPr>
+      <p:grpSpPr>
+        <a:xfrm>
+          <a:off x="0" y="0"/>
+          <a:ext cx="0" cy="0"/>
+          <a:chOff x="0" y="0"/>
+          <a:chExt cx="0" cy="0"/>
+        </a:xfrm>
+      </p:grpSpPr>
+      <p:sp>
+        <p:nvSpPr>
+          <p:cNvPr id="2" name="Title 1"/>
+          <p:cNvSpPr>
+            <a:spLocks noGrp="1"/>
+          </p:cNvSpPr>
+          <p:nvPr>
+            <p:ph type="title"/>
+          </p:nvPr>
+        </p:nvSpPr>
+        <p:spPr/>
+        <p:txBody>
+          <a:bodyPr/>
+          <a:lstStyle/>
+          <a:p>
+            <a:r>
+              <a:rPr lang="en-CA" dirty="0"/>
+              <a:t>Find product with product name</a:t>
+            </a:r>
+          </a:p>
+        </p:txBody>
+      </p:sp>
+      <p:pic>
+        <p:nvPicPr>
+          <p:cNvPr id="4" name="Content Placeholder 3"/>
+          <p:cNvPicPr>
+            <a:picLocks noGrp="1" noChangeAspect="1"/>
+          </p:cNvPicPr>
+          <p:nvPr>
+            <p:ph idx="1"/>
+          </p:nvPr>
+        </p:nvPicPr>
+        <p:blipFill>
+          <a:blip r:embed="rId2"/>
+          <a:stretch>
+            <a:fillRect/>
+          </a:stretch>
+        </p:blipFill>
+        <p:spPr>
+          <a:xfrm>
+            <a:off x="1213885" y="2279280"/>
+            <a:ext cx="10290728" cy="3445659"/>
+          </a:xfrm>
+        </p:spPr>
+      </p:pic>
+    </p:spTree>
+    <p:extLst>
+      <p:ext uri="{BB962C8B-B14F-4D97-AF65-F5344CB8AC3E}">
+        <p14:creationId xmlns:p14="http://schemas.microsoft.com/office/powerpoint/2010/main" val="3153447588"/>
+      </p:ext>
+    </p:extLst>
+  </p:cSld>
+  <p:clrMapOvr>
+    <a:masterClrMapping/>
+  </p:clrMapOvr>
+</p:sld>
+</file>
+
+<file path=ppt/slides/slide6.xml><?xml version="1.0" encoding="utf-8"?>
+<p:sld xmlns:a="http://schemas.openxmlformats.org/drawingml/2006/main" xmlns:r="http://schemas.openxmlformats.org/officeDocument/2006/relationships" xmlns:p="http://schemas.openxmlformats.org/presentationml/2006/main">
+  <p:cSld>
+    <p:spTree>
+      <p:nvGrpSpPr>
+        <p:cNvPr id="1" name=""/>
+        <p:cNvGrpSpPr/>
+        <p:nvPr/>
+      </p:nvGrpSpPr>
+      <p:grpSpPr>
+        <a:xfrm>
+          <a:off x="0" y="0"/>
+          <a:ext cx="0" cy="0"/>
+          <a:chOff x="0" y="0"/>
+          <a:chExt cx="0" cy="0"/>
+        </a:xfrm>
+      </p:grpSpPr>
+      <p:sp>
+        <p:nvSpPr>
+          <p:cNvPr id="2" name="Title 1"/>
+          <p:cNvSpPr>
+            <a:spLocks noGrp="1"/>
+          </p:cNvSpPr>
+          <p:nvPr>
+            <p:ph type="title"/>
+          </p:nvPr>
+        </p:nvSpPr>
+        <p:spPr/>
+        <p:txBody>
+          <a:bodyPr/>
+          <a:lstStyle/>
+          <a:p>
+            <a:r>
+              <a:rPr lang="en-CA" dirty="0"/>
+              <a:t>Main issues in Cashier Side </a:t>
+            </a:r>
+          </a:p>
+        </p:txBody>
+      </p:sp>
+      <p:sp>
+        <p:nvSpPr>
+          <p:cNvPr id="3" name="Content Placeholder 2"/>
+          <p:cNvSpPr>
+            <a:spLocks noGrp="1"/>
+          </p:cNvSpPr>
+          <p:nvPr>
+            <p:ph idx="1"/>
+          </p:nvPr>
+        </p:nvSpPr>
+        <p:spPr>
+          <a:xfrm>
+            <a:off x="1749287" y="1683026"/>
+            <a:ext cx="9755325" cy="4228196"/>
+          </a:xfrm>
+        </p:spPr>
+        <p:txBody>
+          <a:bodyPr>
+            <a:normAutofit/>
+          </a:bodyPr>
+          <a:lstStyle/>
+          <a:p>
+            <a:r>
+              <a:rPr lang="en-CA" sz="2800" dirty="0"/>
+              <a:t>Calculated values(columns) in </a:t>
+            </a:r>
+            <a:r>
+              <a:rPr lang="en-CA" sz="2800" dirty="0" err="1"/>
+              <a:t>Datagrids</a:t>
+            </a:r>
+            <a:r>
+              <a:rPr lang="en-CA" sz="2800" dirty="0"/>
+              <a:t> that don’t  exist in DB(in tables)</a:t>
+            </a:r>
+          </a:p>
+          <a:p>
+            <a:r>
+              <a:rPr lang="en-CA" sz="2800" dirty="0"/>
+              <a:t>Db Transaction for submitting customer Order and receipt</a:t>
+            </a:r>
+          </a:p>
+          <a:p>
+            <a:r>
+              <a:rPr lang="en-CA" sz="2800" dirty="0"/>
+              <a:t>Pdf-printing for receipt and reports</a:t>
+            </a:r>
+          </a:p>
+        </p:txBody>
+      </p:sp>
+    </p:spTree>
+    <p:extLst>
+      <p:ext uri="{BB962C8B-B14F-4D97-AF65-F5344CB8AC3E}">
+        <p14:creationId xmlns:p14="http://schemas.microsoft.com/office/powerpoint/2010/main" val="1849559543"/>
+      </p:ext>
+    </p:extLst>
+  </p:cSld>
+  <p:clrMapOvr>
+    <a:masterClrMapping/>
+  </p:clrMapOvr>
+</p:sld>
+</file>
+
+<file path=ppt/slides/slide7.xml><?xml version="1.0" encoding="utf-8"?>
+<p:sld xmlns:a="http://schemas.openxmlformats.org/drawingml/2006/main" xmlns:r="http://schemas.openxmlformats.org/officeDocument/2006/relationships" xmlns:p="http://schemas.openxmlformats.org/presentationml/2006/main">
+  <p:cSld>
+    <p:spTree>
+      <p:nvGrpSpPr>
+        <p:cNvPr id="1" name=""/>
+        <p:cNvGrpSpPr/>
+        <p:nvPr/>
+      </p:nvGrpSpPr>
+      <p:grpSpPr>
+        <a:xfrm>
+          <a:off x="0" y="0"/>
+          <a:ext cx="0" cy="0"/>
+          <a:chOff x="0" y="0"/>
+          <a:chExt cx="0" cy="0"/>
+        </a:xfrm>
+      </p:grpSpPr>
+      <p:sp>
+        <p:nvSpPr>
+          <p:cNvPr id="2" name="Title 1"/>
+          <p:cNvSpPr>
+            <a:spLocks noGrp="1"/>
+          </p:cNvSpPr>
+          <p:nvPr>
+            <p:ph type="title"/>
+          </p:nvPr>
+        </p:nvSpPr>
+        <p:spPr>
+          <a:xfrm>
+            <a:off x="1378227" y="332562"/>
+            <a:ext cx="10389704" cy="1280890"/>
+          </a:xfrm>
+        </p:spPr>
+        <p:txBody>
+          <a:bodyPr/>
+          <a:lstStyle/>
+          <a:p>
+            <a:pPr algn="ctr"/>
+            <a:r>
+              <a:rPr lang="en-CA" dirty="0"/>
+              <a:t>Daily price (Update price)- </a:t>
+            </a:r>
+            <a:r>
+              <a:rPr lang="en-CA" sz="2400" dirty="0">
+                <a:solidFill>
+                  <a:srgbClr val="0070C0"/>
+                </a:solidFill>
+              </a:rPr>
+              <a:t>Calculated column </a:t>
+            </a:r>
+          </a:p>
+        </p:txBody>
+      </p:sp>
+      <p:pic>
+        <p:nvPicPr>
+          <p:cNvPr id="4" name="Content Placeholder 3"/>
+          <p:cNvPicPr>
+            <a:picLocks noGrp="1" noChangeAspect="1"/>
+          </p:cNvPicPr>
+          <p:nvPr>
+            <p:ph idx="1"/>
+          </p:nvPr>
+        </p:nvPicPr>
+        <p:blipFill>
+          <a:blip r:embed="rId2"/>
+          <a:stretch>
+            <a:fillRect/>
+          </a:stretch>
+        </p:blipFill>
+        <p:spPr>
+          <a:xfrm>
+            <a:off x="1961323" y="1113348"/>
+            <a:ext cx="8931964" cy="5109819"/>
+          </a:xfrm>
+        </p:spPr>
+      </p:pic>
+    </p:spTree>
+    <p:extLst>
+      <p:ext uri="{BB962C8B-B14F-4D97-AF65-F5344CB8AC3E}">
+        <p14:creationId xmlns:p14="http://schemas.microsoft.com/office/powerpoint/2010/main" val="777789787"/>
+      </p:ext>
+    </p:extLst>
+  </p:cSld>
+  <p:clrMapOvr>
+    <a:masterClrMapping/>
+  </p:clrMapOvr>
+</p:sld>
+</file>
+
+<file path=ppt/slides/slide8.xml><?xml version="1.0" encoding="utf-8"?>
+<p:sld xmlns:a="http://schemas.openxmlformats.org/drawingml/2006/main" xmlns:r="http://schemas.openxmlformats.org/officeDocument/2006/relationships" xmlns:p="http://schemas.openxmlformats.org/presentationml/2006/main">
+  <p:cSld>
+    <p:spTree>
+      <p:nvGrpSpPr>
+        <p:cNvPr id="1" name=""/>
+        <p:cNvGrpSpPr/>
+        <p:nvPr/>
+      </p:nvGrpSpPr>
+      <p:grpSpPr>
+        <a:xfrm>
+          <a:off x="0" y="0"/>
+          <a:ext cx="0" cy="0"/>
+          <a:chOff x="0" y="0"/>
+          <a:chExt cx="0" cy="0"/>
+        </a:xfrm>
+      </p:grpSpPr>
+      <p:sp>
+        <p:nvSpPr>
+          <p:cNvPr id="2" name="Title 1"/>
+          <p:cNvSpPr>
+            <a:spLocks noGrp="1"/>
+          </p:cNvSpPr>
+          <p:nvPr>
+            <p:ph type="title"/>
+          </p:nvPr>
+        </p:nvSpPr>
+        <p:spPr>
+          <a:xfrm>
+            <a:off x="1232205" y="955415"/>
+            <a:ext cx="10853529" cy="1280890"/>
+          </a:xfrm>
+        </p:spPr>
+        <p:txBody>
+          <a:bodyPr/>
+          <a:lstStyle/>
+          <a:p>
+            <a:pPr algn="r"/>
+            <a:r>
+              <a:rPr lang="en-CA" dirty="0"/>
+              <a:t>Price based on quantity of items-</a:t>
+            </a:r>
+            <a:r>
+              <a:rPr lang="en-CA" dirty="0">
+                <a:solidFill>
+                  <a:srgbClr val="0070C0"/>
+                </a:solidFill>
+              </a:rPr>
+              <a:t> </a:t>
+            </a:r>
+            <a:r>
+              <a:rPr lang="en-CA" sz="2700" dirty="0">
+                <a:solidFill>
+                  <a:srgbClr val="0070C0"/>
+                </a:solidFill>
+              </a:rPr>
+              <a:t>Calculated column </a:t>
+            </a:r>
+            <a:endParaRPr lang="en-CA" sz="2700" dirty="0"/>
+          </a:p>
+        </p:txBody>
+      </p:sp>
+      <p:pic>
+        <p:nvPicPr>
+          <p:cNvPr id="4" name="Content Placeholder 3"/>
+          <p:cNvPicPr>
+            <a:picLocks noGrp="1" noChangeAspect="1"/>
+          </p:cNvPicPr>
+          <p:nvPr>
+            <p:ph idx="1"/>
+          </p:nvPr>
+        </p:nvPicPr>
+        <p:blipFill>
+          <a:blip r:embed="rId2"/>
+          <a:stretch>
+            <a:fillRect/>
+          </a:stretch>
+        </p:blipFill>
+        <p:spPr>
+          <a:xfrm>
+            <a:off x="2051868" y="2442335"/>
+            <a:ext cx="9214205" cy="1789165"/>
+          </a:xfrm>
+        </p:spPr>
+      </p:pic>
+    </p:spTree>
+    <p:extLst>
+      <p:ext uri="{BB962C8B-B14F-4D97-AF65-F5344CB8AC3E}">
+        <p14:creationId xmlns:p14="http://schemas.microsoft.com/office/powerpoint/2010/main" val="2872046166"/>
+      </p:ext>
+    </p:extLst>
+  </p:cSld>
+  <p:clrMapOvr>
+    <a:masterClrMapping/>
+  </p:clrMapOvr>
+</p:sld>
+</file>
+
+<file path=ppt/slides/slide9.xml><?xml version="1.0" encoding="utf-8"?>
+<p:sld xmlns:a="http://schemas.openxmlformats.org/drawingml/2006/main" xmlns:r="http://schemas.openxmlformats.org/officeDocument/2006/relationships" xmlns:p="http://schemas.openxmlformats.org/presentationml/2006/main">
+  <p:cSld>
+    <p:spTree>
+      <p:nvGrpSpPr>
+        <p:cNvPr id="1" name=""/>
+        <p:cNvGrpSpPr/>
+        <p:nvPr/>
+      </p:nvGrpSpPr>
+      <p:grpSpPr>
+        <a:xfrm>
+          <a:off x="0" y="0"/>
+          <a:ext cx="0" cy="0"/>
+          <a:chOff x="0" y="0"/>
+          <a:chExt cx="0" cy="0"/>
+        </a:xfrm>
+      </p:grpSpPr>
+      <p:sp>
+        <p:nvSpPr>
+          <p:cNvPr id="2" name="Title 1"/>
+          <p:cNvSpPr>
+            <a:spLocks noGrp="1"/>
+          </p:cNvSpPr>
+          <p:nvPr>
+            <p:ph type="title"/>
+          </p:nvPr>
+        </p:nvSpPr>
+        <p:spPr>
+          <a:xfrm>
+            <a:off x="2014332" y="584353"/>
+            <a:ext cx="10298664" cy="767368"/>
+          </a:xfrm>
+        </p:spPr>
+        <p:txBody>
+          <a:bodyPr>
+            <a:normAutofit fontScale="90000"/>
+          </a:bodyPr>
+          <a:lstStyle/>
+          <a:p>
+            <a:r>
+              <a:rPr lang="en-CA" dirty="0"/>
+              <a:t>Transfer data between </a:t>
+            </a:r>
+            <a:r>
+              <a:rPr lang="en-CA" dirty="0" err="1"/>
+              <a:t>datagrids</a:t>
+            </a:r>
+            <a:br>
+              <a:rPr lang="en-CA" dirty="0"/>
+            </a:br>
+            <a:endParaRPr lang="en-CA" dirty="0"/>
+          </a:p>
+        </p:txBody>
+      </p:sp>
+      <p:pic>
+        <p:nvPicPr>
+          <p:cNvPr id="6" name="Content Placeholder 3"/>
+          <p:cNvPicPr>
+            <a:picLocks noGrp="1" noChangeAspect="1"/>
+          </p:cNvPicPr>
+          <p:nvPr>
+            <p:ph idx="1"/>
+          </p:nvPr>
+        </p:nvPicPr>
+        <p:blipFill>
+          <a:blip r:embed="rId2"/>
+          <a:stretch>
+            <a:fillRect/>
+          </a:stretch>
+        </p:blipFill>
+        <p:spPr>
+          <a:xfrm>
+            <a:off x="901109" y="1351721"/>
+            <a:ext cx="10543869" cy="2449756"/>
+          </a:xfrm>
+        </p:spPr>
+      </p:pic>
+      <p:sp>
+        <p:nvSpPr>
+          <p:cNvPr id="8" name="Content Placeholder 2"/>
+          <p:cNvSpPr txBox="1">
+            <a:spLocks/>
+          </p:cNvSpPr>
+          <p:nvPr/>
+        </p:nvSpPr>
+        <p:spPr>
+          <a:xfrm>
+            <a:off x="819163" y="4084232"/>
+            <a:ext cx="10919791" cy="2329819"/>
+          </a:xfrm>
+          <a:prstGeom prst="rect">
+            <a:avLst/>
+          </a:prstGeom>
+        </p:spPr>
+        <p:txBody>
+          <a:bodyPr vert="horz" lIns="91440" tIns="45720" rIns="91440" bIns="45720" rtlCol="0">
+            <a:normAutofit/>
+          </a:bodyPr>
+          <a:lstStyle>
+            <a:lvl1pPr marL="342900" indent="-342900" algn="l" defTabSz="457200" rtl="0" eaLnBrk="1" latinLnBrk="0" hangingPunct="1">
+              <a:spcBef>
+                <a:spcPts val="1000"/>
+              </a:spcBef>
+              <a:spcAft>
+                <a:spcPts val="0"/>
+              </a:spcAft>
+              <a:buClr>
+                <a:schemeClr val="accent1"/>
+              </a:buClr>
+              <a:buFont typeface="Wingdings 3" charset="2"/>
+              <a:buChar char=""/>
+              <a:defRPr sz="1800" kern="1200">
+                <a:solidFill>
+                  <a:schemeClr val="tx1">
+                    <a:lumMod val="75000"/>
+                    <a:lumOff val="25000"/>
+                  </a:schemeClr>
+                </a:solidFill>
+                <a:latin typeface="+mn-lt"/>
+                <a:ea typeface="+mn-ea"/>
+                <a:cs typeface="+mn-cs"/>
+              </a:defRPr>
+            </a:lvl1pPr>
+            <a:lvl2pPr marL="742950" indent="-285750" algn="l" defTabSz="457200" rtl="0" eaLnBrk="1" latinLnBrk="0" hangingPunct="1">
+              <a:spcBef>
+                <a:spcPts val="1000"/>
+              </a:spcBef>
+              <a:spcAft>
+                <a:spcPts val="0"/>
+              </a:spcAft>
+              <a:buClr>
+                <a:schemeClr val="accent1"/>
+              </a:buClr>
+              <a:buFont typeface="Wingdings 3" charset="2"/>
+              <a:buChar char=""/>
+              <a:defRPr sz="1600" kern="1200">
+                <a:solidFill>
+                  <a:schemeClr val="tx1">
+                    <a:lumMod val="75000"/>
+                    <a:lumOff val="25000"/>
+                  </a:schemeClr>
+                </a:solidFill>
+                <a:latin typeface="+mn-lt"/>
+                <a:ea typeface="+mn-ea"/>
+                <a:cs typeface="+mn-cs"/>
+              </a:defRPr>
+            </a:lvl2pPr>
+            <a:lvl3pPr marL="1143000" indent="-228600" algn="l" defTabSz="457200" rtl="0" eaLnBrk="1" latinLnBrk="0" hangingPunct="1">
+              <a:spcBef>
+                <a:spcPts val="1000"/>
+              </a:spcBef>
+              <a:spcAft>
+                <a:spcPts val="0"/>
+              </a:spcAft>
+              <a:buClr>
+                <a:schemeClr val="accent1"/>
+              </a:buClr>
+              <a:buFont typeface="Wingdings 3" charset="2"/>
+              <a:buChar char=""/>
+              <a:defRPr sz="1400" kern="1200">
+                <a:solidFill>
+                  <a:schemeClr val="tx1">
+                    <a:lumMod val="75000"/>
+                    <a:lumOff val="25000"/>
+                  </a:schemeClr>
+                </a:solidFill>
+                <a:latin typeface="+mn-lt"/>
+                <a:ea typeface="+mn-ea"/>
+                <a:cs typeface="+mn-cs"/>
+              </a:defRPr>
+            </a:lvl3pPr>
+            <a:lvl4pPr marL="1600200" indent="-228600" algn="l" defTabSz="457200" rtl="0" eaLnBrk="1" latinLnBrk="0" hangingPunct="1">
+              <a:spcBef>
+                <a:spcPts val="1000"/>
+              </a:spcBef>
+              <a:spcAft>
+                <a:spcPts val="0"/>
+              </a:spcAft>
+              <a:buClr>
+                <a:schemeClr val="accent1"/>
+              </a:buClr>
+              <a:buFont typeface="Wingdings 3" charset="2"/>
+              <a:buChar char=""/>
+              <a:defRPr sz="1200" kern="1200">
+                <a:solidFill>
+                  <a:schemeClr val="tx1">
+                    <a:lumMod val="75000"/>
+                    <a:lumOff val="25000"/>
+                  </a:schemeClr>
+                </a:solidFill>
+                <a:latin typeface="+mn-lt"/>
+                <a:ea typeface="+mn-ea"/>
+                <a:cs typeface="+mn-cs"/>
+              </a:defRPr>
+            </a:lvl4pPr>
+            <a:lvl5pPr marL="2057400" indent="-228600" algn="l" defTabSz="457200" rtl="0" eaLnBrk="1" latinLnBrk="0" hangingPunct="1">
+              <a:spcBef>
+                <a:spcPts val="1000"/>
+              </a:spcBef>
+              <a:spcAft>
+                <a:spcPts val="0"/>
+              </a:spcAft>
+              <a:buClr>
+                <a:schemeClr val="accent1"/>
+              </a:buClr>
+              <a:buFont typeface="Wingdings 3" charset="2"/>
+              <a:buChar char=""/>
+              <a:defRPr sz="1200" kern="1200">
+                <a:solidFill>
+                  <a:schemeClr val="tx1">
+                    <a:lumMod val="75000"/>
+                    <a:lumOff val="25000"/>
+                  </a:schemeClr>
+                </a:solidFill>
+                <a:latin typeface="+mn-lt"/>
+                <a:ea typeface="+mn-ea"/>
+                <a:cs typeface="+mn-cs"/>
+              </a:defRPr>
+            </a:lvl5pPr>
+            <a:lvl6pPr marL="2514600" indent="-228600" algn="l" defTabSz="457200" rtl="0" eaLnBrk="1" latinLnBrk="0" hangingPunct="1">
+              <a:spcBef>
+                <a:spcPts val="1000"/>
+              </a:spcBef>
+              <a:spcAft>
+                <a:spcPts val="0"/>
+              </a:spcAft>
+              <a:buClr>
+                <a:schemeClr val="accent1"/>
+              </a:buClr>
+              <a:buFont typeface="Wingdings 3" charset="2"/>
+              <a:buChar char=""/>
+              <a:defRPr sz="1200" kern="1200">
+                <a:solidFill>
+                  <a:schemeClr val="tx1">
+                    <a:lumMod val="75000"/>
+                    <a:lumOff val="25000"/>
+                  </a:schemeClr>
+                </a:solidFill>
+                <a:latin typeface="+mn-lt"/>
+                <a:ea typeface="+mn-ea"/>
+                <a:cs typeface="+mn-cs"/>
+              </a:defRPr>
+            </a:lvl6pPr>
+            <a:lvl7pPr marL="2971800" indent="-228600" algn="l" defTabSz="457200" rtl="0" eaLnBrk="1" latinLnBrk="0" hangingPunct="1">
+              <a:spcBef>
+                <a:spcPts val="1000"/>
+              </a:spcBef>
+              <a:spcAft>
+                <a:spcPts val="0"/>
+              </a:spcAft>
+              <a:buClr>
+                <a:schemeClr val="accent1"/>
+              </a:buClr>
+              <a:buFont typeface="Wingdings 3" charset="2"/>
+              <a:buChar char=""/>
+              <a:defRPr sz="1200" kern="1200">
+                <a:solidFill>
+                  <a:schemeClr val="tx1">
+                    <a:lumMod val="75000"/>
+                    <a:lumOff val="25000"/>
+                  </a:schemeClr>
+                </a:solidFill>
+                <a:latin typeface="+mn-lt"/>
+                <a:ea typeface="+mn-ea"/>
+                <a:cs typeface="+mn-cs"/>
+              </a:defRPr>
+            </a:lvl7pPr>
+            <a:lvl8pPr marL="3429000" indent="-228600" algn="l" defTabSz="457200" rtl="0" eaLnBrk="1" latinLnBrk="0" hangingPunct="1">
+              <a:spcBef>
+                <a:spcPts val="1000"/>
+              </a:spcBef>
+              <a:spcAft>
+                <a:spcPts val="0"/>
+              </a:spcAft>
+              <a:buClr>
+                <a:schemeClr val="accent1"/>
+              </a:buClr>
+              <a:buFont typeface="Wingdings 3" charset="2"/>
+              <a:buChar char=""/>
+              <a:defRPr sz="1200" kern="1200">
+                <a:solidFill>
+                  <a:schemeClr val="tx1">
+                    <a:lumMod val="75000"/>
+                    <a:lumOff val="25000"/>
+                  </a:schemeClr>
+                </a:solidFill>
+                <a:latin typeface="+mn-lt"/>
+                <a:ea typeface="+mn-ea"/>
+                <a:cs typeface="+mn-cs"/>
+              </a:defRPr>
+            </a:lvl8pPr>
+            <a:lvl9pPr marL="3886200" indent="-228600" algn="l" defTabSz="457200" rtl="0" eaLnBrk="1" latinLnBrk="0" hangingPunct="1">
+              <a:spcBef>
+                <a:spcPts val="1000"/>
+              </a:spcBef>
+              <a:spcAft>
+                <a:spcPts val="0"/>
+              </a:spcAft>
+              <a:buClr>
+                <a:schemeClr val="accent1"/>
+              </a:buClr>
+              <a:buFont typeface="Wingdings 3" charset="2"/>
+              <a:buChar char=""/>
+              <a:defRPr sz="1200" kern="1200">
+                <a:solidFill>
+                  <a:schemeClr val="tx1">
+                    <a:lumMod val="75000"/>
+                    <a:lumOff val="25000"/>
+                  </a:schemeClr>
+                </a:solidFill>
+                <a:latin typeface="+mn-lt"/>
+                <a:ea typeface="+mn-ea"/>
+                <a:cs typeface="+mn-cs"/>
+              </a:defRPr>
+            </a:lvl9pPr>
+          </a:lstStyle>
+          <a:p>
+            <a:r>
+              <a:rPr lang="en-CA" sz="2800" dirty="0">
+                <a:latin typeface="Calibri" panose="020F0502020204030204" pitchFamily="34" charset="0"/>
+              </a:rPr>
               <a:t>Data just add/delete between  </a:t>
             </a:r>
             <a:r>
-              <a:rPr lang="en-CA" dirty="0" err="1"/>
+              <a:rPr lang="en-CA" sz="2800" dirty="0" err="1">
+                <a:latin typeface="Calibri" panose="020F0502020204030204" pitchFamily="34" charset="0"/>
+              </a:rPr>
               <a:t>Ordergrid</a:t>
             </a:r>
             <a:r>
-              <a:rPr lang="en-CA" dirty="0"/>
-              <a:t> and Product grid but no change is not happened in tables for real data</a:t>
+              <a:rPr lang="en-CA" sz="2800" dirty="0">
+                <a:latin typeface="Calibri" panose="020F0502020204030204" pitchFamily="34" charset="0"/>
+              </a:rPr>
+              <a:t> and </a:t>
+            </a:r>
+            <a:r>
+              <a:rPr lang="en-CA" sz="2800" dirty="0" err="1">
+                <a:solidFill>
+                  <a:schemeClr val="tx1"/>
+                </a:solidFill>
+                <a:latin typeface="Calibri" panose="020F0502020204030204" pitchFamily="34" charset="0"/>
+              </a:rPr>
+              <a:t>Productgrid</a:t>
+            </a:r>
+            <a:r>
+              <a:rPr lang="en-CA" sz="2800" dirty="0">
+                <a:solidFill>
+                  <a:srgbClr val="0070C0"/>
+                </a:solidFill>
+                <a:latin typeface="Calibri" panose="020F0502020204030204" pitchFamily="34" charset="0"/>
+              </a:rPr>
+              <a:t> (just in view</a:t>
+            </a:r>
+            <a:r>
+              <a:rPr lang="en-CA" sz="2800" dirty="0">
+                <a:latin typeface="Calibri" panose="020F0502020204030204" pitchFamily="34" charset="0"/>
+              </a:rPr>
+              <a:t>) but no change is not happened in tables for real data</a:t>
+            </a:r>
+          </a:p>
+          <a:p>
+            <a:r>
+              <a:rPr lang="en-CA" sz="2800" dirty="0"/>
+              <a:t>All verification about </a:t>
+            </a:r>
+            <a:r>
+              <a:rPr lang="en-CA" sz="2800" dirty="0" err="1"/>
+              <a:t>Qty</a:t>
+            </a:r>
+            <a:r>
+              <a:rPr lang="en-CA" sz="2800" dirty="0"/>
+              <a:t> of items in stack and </a:t>
+            </a:r>
+            <a:r>
+              <a:rPr lang="en-CA" sz="2800" dirty="0" err="1"/>
+              <a:t>Qty</a:t>
+            </a:r>
+            <a:r>
+              <a:rPr lang="en-CA" sz="2800" dirty="0"/>
+              <a:t> for order items Is considered </a:t>
             </a:r>
           </a:p>
         </p:txBody>
